--- a/design/representatie typen.pptx
+++ b/design/representatie typen.pptx
@@ -5,7 +5,7 @@
     <p:sldMasterId id="2147483648" r:id="rId1"/>
   </p:sldMasterIdLst>
   <p:notesMasterIdLst>
-    <p:notesMasterId r:id="rId19"/>
+    <p:notesMasterId r:id="rId21"/>
   </p:notesMasterIdLst>
   <p:sldIdLst>
     <p:sldId id="257" r:id="rId2"/>
@@ -25,6 +25,8 @@
     <p:sldId id="268" r:id="rId16"/>
     <p:sldId id="263" r:id="rId17"/>
     <p:sldId id="264" r:id="rId18"/>
+    <p:sldId id="276" r:id="rId19"/>
+    <p:sldId id="277" r:id="rId20"/>
   </p:sldIdLst>
   <p:sldSz cx="12192000" cy="6858000"/>
   <p:notesSz cx="6858000" cy="9144000"/>
@@ -213,7 +215,7 @@
           <a:p>
             <a:fld id="{110EDD58-BBC2-1F45-8F5E-3F8A60849B0B}" type="datetimeFigureOut">
               <a:rPr lang="nl-NL" smtClean="0"/>
-              <a:t>20-11-17</a:t>
+              <a:t>27-11-17</a:t>
             </a:fld>
             <a:endParaRPr lang="nl-NL"/>
           </a:p>
@@ -565,6 +567,90 @@
 </p:notes>
 </file>
 
+<file path=ppt/notesSlides/notesSlide2.xml><?xml version="1.0" encoding="utf-8"?>
+<p:notes xmlns:a="http://schemas.openxmlformats.org/drawingml/2006/main" xmlns:r="http://schemas.openxmlformats.org/officeDocument/2006/relationships" xmlns:p="http://schemas.openxmlformats.org/presentationml/2006/main">
+  <p:cSld>
+    <p:spTree>
+      <p:nvGrpSpPr>
+        <p:cNvPr id="1" name=""/>
+        <p:cNvGrpSpPr/>
+        <p:nvPr/>
+      </p:nvGrpSpPr>
+      <p:grpSpPr>
+        <a:xfrm>
+          <a:off x="0" y="0"/>
+          <a:ext cx="0" cy="0"/>
+          <a:chOff x="0" y="0"/>
+          <a:chExt cx="0" cy="0"/>
+        </a:xfrm>
+      </p:grpSpPr>
+      <p:sp>
+        <p:nvSpPr>
+          <p:cNvPr id="2" name="Tijdelijke aanduiding voor dia-afbeelding 1"/>
+          <p:cNvSpPr>
+            <a:spLocks noGrp="1" noRot="1" noChangeAspect="1"/>
+          </p:cNvSpPr>
+          <p:nvPr>
+            <p:ph type="sldImg"/>
+          </p:nvPr>
+        </p:nvSpPr>
+        <p:spPr/>
+      </p:sp>
+      <p:sp>
+        <p:nvSpPr>
+          <p:cNvPr id="3" name="Tijdelijke aanduiding voor notities 2"/>
+          <p:cNvSpPr>
+            <a:spLocks noGrp="1"/>
+          </p:cNvSpPr>
+          <p:nvPr>
+            <p:ph type="body" idx="1"/>
+          </p:nvPr>
+        </p:nvSpPr>
+        <p:spPr/>
+        <p:txBody>
+          <a:bodyPr/>
+          <a:lstStyle/>
+          <a:p>
+            <a:endParaRPr lang="nl-NL" dirty="0"/>
+          </a:p>
+        </p:txBody>
+      </p:sp>
+      <p:sp>
+        <p:nvSpPr>
+          <p:cNvPr id="4" name="Tijdelijke aanduiding voor dianummer 3"/>
+          <p:cNvSpPr>
+            <a:spLocks noGrp="1"/>
+          </p:cNvSpPr>
+          <p:nvPr>
+            <p:ph type="sldNum" sz="quarter" idx="10"/>
+          </p:nvPr>
+        </p:nvSpPr>
+        <p:spPr/>
+        <p:txBody>
+          <a:bodyPr/>
+          <a:lstStyle/>
+          <a:p>
+            <a:fld id="{E9FE70AC-6C57-1A44-8BE5-BC077E5BE26B}" type="slidenum">
+              <a:rPr lang="nl-NL" smtClean="0"/>
+              <a:t>18</a:t>
+            </a:fld>
+            <a:endParaRPr lang="nl-NL"/>
+          </a:p>
+        </p:txBody>
+      </p:sp>
+    </p:spTree>
+    <p:extLst>
+      <p:ext uri="{BB962C8B-B14F-4D97-AF65-F5344CB8AC3E}">
+        <p14:creationId xmlns:p14="http://schemas.microsoft.com/office/powerpoint/2010/main" val="861017333"/>
+      </p:ext>
+    </p:extLst>
+  </p:cSld>
+  <p:clrMapOvr>
+    <a:masterClrMapping/>
+  </p:clrMapOvr>
+</p:notes>
+</file>
+
 <file path=ppt/slideLayouts/slideLayout1.xml><?xml version="1.0" encoding="utf-8"?>
 <p:sldLayout xmlns:a="http://schemas.openxmlformats.org/drawingml/2006/main" xmlns:r="http://schemas.openxmlformats.org/officeDocument/2006/relationships" xmlns:p="http://schemas.openxmlformats.org/presentationml/2006/main" type="title" preserve="1">
   <p:cSld name="Titeldia">
@@ -696,7 +782,7 @@
           <a:p>
             <a:fld id="{7A78F49A-B1D6-7540-A5F9-9B92AAF0F58E}" type="datetimeFigureOut">
               <a:rPr lang="nl-NL" smtClean="0"/>
-              <a:t>18-11-17</a:t>
+              <a:t>27-11-17</a:t>
             </a:fld>
             <a:endParaRPr lang="nl-NL"/>
           </a:p>
@@ -866,7 +952,7 @@
           <a:p>
             <a:fld id="{7A78F49A-B1D6-7540-A5F9-9B92AAF0F58E}" type="datetimeFigureOut">
               <a:rPr lang="nl-NL" smtClean="0"/>
-              <a:t>18-11-17</a:t>
+              <a:t>27-11-17</a:t>
             </a:fld>
             <a:endParaRPr lang="nl-NL"/>
           </a:p>
@@ -1046,7 +1132,7 @@
           <a:p>
             <a:fld id="{7A78F49A-B1D6-7540-A5F9-9B92AAF0F58E}" type="datetimeFigureOut">
               <a:rPr lang="nl-NL" smtClean="0"/>
-              <a:t>18-11-17</a:t>
+              <a:t>27-11-17</a:t>
             </a:fld>
             <a:endParaRPr lang="nl-NL"/>
           </a:p>
@@ -1216,7 +1302,7 @@
           <a:p>
             <a:fld id="{7A78F49A-B1D6-7540-A5F9-9B92AAF0F58E}" type="datetimeFigureOut">
               <a:rPr lang="nl-NL" smtClean="0"/>
-              <a:t>18-11-17</a:t>
+              <a:t>27-11-17</a:t>
             </a:fld>
             <a:endParaRPr lang="nl-NL"/>
           </a:p>
@@ -1462,7 +1548,7 @@
           <a:p>
             <a:fld id="{7A78F49A-B1D6-7540-A5F9-9B92AAF0F58E}" type="datetimeFigureOut">
               <a:rPr lang="nl-NL" smtClean="0"/>
-              <a:t>18-11-17</a:t>
+              <a:t>27-11-17</a:t>
             </a:fld>
             <a:endParaRPr lang="nl-NL"/>
           </a:p>
@@ -1694,7 +1780,7 @@
           <a:p>
             <a:fld id="{7A78F49A-B1D6-7540-A5F9-9B92AAF0F58E}" type="datetimeFigureOut">
               <a:rPr lang="nl-NL" smtClean="0"/>
-              <a:t>18-11-17</a:t>
+              <a:t>27-11-17</a:t>
             </a:fld>
             <a:endParaRPr lang="nl-NL"/>
           </a:p>
@@ -2061,7 +2147,7 @@
           <a:p>
             <a:fld id="{7A78F49A-B1D6-7540-A5F9-9B92AAF0F58E}" type="datetimeFigureOut">
               <a:rPr lang="nl-NL" smtClean="0"/>
-              <a:t>18-11-17</a:t>
+              <a:t>27-11-17</a:t>
             </a:fld>
             <a:endParaRPr lang="nl-NL"/>
           </a:p>
@@ -2179,7 +2265,7 @@
           <a:p>
             <a:fld id="{7A78F49A-B1D6-7540-A5F9-9B92AAF0F58E}" type="datetimeFigureOut">
               <a:rPr lang="nl-NL" smtClean="0"/>
-              <a:t>18-11-17</a:t>
+              <a:t>27-11-17</a:t>
             </a:fld>
             <a:endParaRPr lang="nl-NL"/>
           </a:p>
@@ -2274,7 +2360,7 @@
           <a:p>
             <a:fld id="{7A78F49A-B1D6-7540-A5F9-9B92AAF0F58E}" type="datetimeFigureOut">
               <a:rPr lang="nl-NL" smtClean="0"/>
-              <a:t>18-11-17</a:t>
+              <a:t>27-11-17</a:t>
             </a:fld>
             <a:endParaRPr lang="nl-NL"/>
           </a:p>
@@ -2551,7 +2637,7 @@
           <a:p>
             <a:fld id="{7A78F49A-B1D6-7540-A5F9-9B92AAF0F58E}" type="datetimeFigureOut">
               <a:rPr lang="nl-NL" smtClean="0"/>
-              <a:t>18-11-17</a:t>
+              <a:t>27-11-17</a:t>
             </a:fld>
             <a:endParaRPr lang="nl-NL"/>
           </a:p>
@@ -2804,7 +2890,7 @@
           <a:p>
             <a:fld id="{7A78F49A-B1D6-7540-A5F9-9B92AAF0F58E}" type="datetimeFigureOut">
               <a:rPr lang="nl-NL" smtClean="0"/>
-              <a:t>18-11-17</a:t>
+              <a:t>27-11-17</a:t>
             </a:fld>
             <a:endParaRPr lang="nl-NL"/>
           </a:p>
@@ -3017,7 +3103,7 @@
           <a:p>
             <a:fld id="{7A78F49A-B1D6-7540-A5F9-9B92AAF0F58E}" type="datetimeFigureOut">
               <a:rPr lang="nl-NL" smtClean="0"/>
-              <a:t>18-11-17</a:t>
+              <a:t>27-11-17</a:t>
             </a:fld>
             <a:endParaRPr lang="nl-NL"/>
           </a:p>
@@ -4789,11 +4875,6 @@
               </a:rPr>
               <a:t>&gt;&gt;&gt;</a:t>
             </a:r>
-            <a:endParaRPr lang="nl-NL" sz="1200" dirty="0" smtClean="0">
-              <a:solidFill>
-                <a:schemeClr val="tx1"/>
-              </a:solidFill>
-            </a:endParaRPr>
           </a:p>
         </p:txBody>
       </p:sp>
@@ -5125,11 +5206,6 @@
               </a:rPr>
               <a:t>binding</a:t>
             </a:r>
-            <a:endParaRPr lang="nl-NL" sz="1200" dirty="0" smtClean="0">
-              <a:solidFill>
-                <a:schemeClr val="tx1"/>
-              </a:solidFill>
-            </a:endParaRPr>
           </a:p>
         </p:txBody>
       </p:sp>
@@ -5365,11 +5441,6 @@
               </a:rPr>
               <a:t>Aangever</a:t>
             </a:r>
-            <a:endParaRPr lang="nl-NL" sz="1200" dirty="0" smtClean="0">
-              <a:solidFill>
-                <a:schemeClr val="tx1"/>
-              </a:solidFill>
-            </a:endParaRPr>
           </a:p>
         </p:txBody>
       </p:sp>
@@ -5558,11 +5629,6 @@
               </a:rPr>
               <a:t>&gt;&gt;&gt;</a:t>
             </a:r>
-            <a:endParaRPr lang="nl-NL" sz="1200" dirty="0" smtClean="0">
-              <a:solidFill>
-                <a:schemeClr val="tx1"/>
-              </a:solidFill>
-            </a:endParaRPr>
           </a:p>
         </p:txBody>
       </p:sp>
@@ -5767,11 +5833,6 @@
               </a:rPr>
               <a:t>filter</a:t>
             </a:r>
-            <a:endParaRPr lang="nl-NL" sz="1200" dirty="0" smtClean="0">
-              <a:solidFill>
-                <a:schemeClr val="tx1"/>
-              </a:solidFill>
-            </a:endParaRPr>
           </a:p>
         </p:txBody>
       </p:sp>
@@ -6542,11 +6603,6 @@
               </a:rPr>
               <a:t>Aangever</a:t>
             </a:r>
-            <a:endParaRPr lang="nl-NL" sz="1200" dirty="0" smtClean="0">
-              <a:solidFill>
-                <a:schemeClr val="tx1"/>
-              </a:solidFill>
-            </a:endParaRPr>
           </a:p>
         </p:txBody>
       </p:sp>
@@ -7948,14 +8004,12 @@
               <a:rPr lang="nl-NL" sz="900" dirty="0" smtClean="0"/>
               <a:t>0-n</a:t>
             </a:r>
-            <a:endParaRPr lang="nl-NL" sz="900" dirty="0" smtClean="0"/>
           </a:p>
           <a:p>
             <a:r>
               <a:rPr lang="nl-NL" sz="900" dirty="0" smtClean="0"/>
               <a:t>TD</a:t>
             </a:r>
-            <a:endParaRPr lang="nl-NL" sz="900" dirty="0" smtClean="0"/>
           </a:p>
         </p:txBody>
       </p:sp>
@@ -8105,7 +8159,7 @@
         </p:nvSpPr>
         <p:spPr>
           <a:xfrm>
-            <a:off x="6436931" y="330967"/>
+            <a:off x="6665665" y="330262"/>
             <a:ext cx="180000" cy="180000"/>
           </a:xfrm>
           <a:prstGeom prst="ellipse">
@@ -8149,8 +8203,8 @@
         </p:nvCxnSpPr>
         <p:spPr>
           <a:xfrm flipV="1">
-            <a:off x="6526931" y="510967"/>
-            <a:ext cx="0" cy="187970"/>
+            <a:off x="6755665" y="510262"/>
+            <a:ext cx="0" cy="188675"/>
           </a:xfrm>
           <a:prstGeom prst="line">
             <a:avLst/>
@@ -8906,7 +8960,7 @@
         <p:spPr>
           <a:xfrm>
             <a:off x="5800678" y="698937"/>
-            <a:ext cx="1452506" cy="788100"/>
+            <a:ext cx="1909974" cy="788100"/>
           </a:xfrm>
           <a:prstGeom prst="rect">
             <a:avLst/>
@@ -9099,14 +9153,12 @@
               <a:rPr lang="nl-NL" sz="900" dirty="0" smtClean="0"/>
               <a:t>0-n</a:t>
             </a:r>
-            <a:endParaRPr lang="nl-NL" sz="900" dirty="0" smtClean="0"/>
           </a:p>
           <a:p>
             <a:r>
               <a:rPr lang="nl-NL" sz="900" dirty="0" smtClean="0"/>
               <a:t>TD</a:t>
             </a:r>
-            <a:endParaRPr lang="nl-NL" sz="900" dirty="0" smtClean="0"/>
           </a:p>
         </p:txBody>
       </p:sp>
@@ -9182,6 +9234,826 @@
           </a:p>
         </p:txBody>
       </p:sp>
+      <p:sp>
+        <p:nvSpPr>
+          <p:cNvPr id="53" name="Rechthoek 52"/>
+          <p:cNvSpPr/>
+          <p:nvPr/>
+        </p:nvSpPr>
+        <p:spPr>
+          <a:xfrm>
+            <a:off x="7056286" y="2921074"/>
+            <a:ext cx="1452506" cy="371461"/>
+          </a:xfrm>
+          <a:prstGeom prst="rect">
+            <a:avLst/>
+          </a:prstGeom>
+          <a:noFill/>
+        </p:spPr>
+        <p:style>
+          <a:lnRef idx="2">
+            <a:schemeClr val="accent1">
+              <a:shade val="50000"/>
+            </a:schemeClr>
+          </a:lnRef>
+          <a:fillRef idx="1">
+            <a:schemeClr val="accent1"/>
+          </a:fillRef>
+          <a:effectRef idx="0">
+            <a:schemeClr val="accent1"/>
+          </a:effectRef>
+          <a:fontRef idx="minor">
+            <a:schemeClr val="lt1"/>
+          </a:fontRef>
+        </p:style>
+        <p:txBody>
+          <a:bodyPr rtlCol="0" anchor="t" anchorCtr="0"/>
+          <a:lstStyle/>
+          <a:p>
+            <a:pPr algn="ctr"/>
+            <a:r>
+              <a:rPr lang="nl-NL" sz="1200" dirty="0" err="1" smtClean="0">
+                <a:solidFill>
+                  <a:schemeClr val="tx1"/>
+                </a:solidFill>
+              </a:rPr>
+              <a:t>IsVerplicht</a:t>
+            </a:r>
+            <a:endParaRPr lang="nl-NL" sz="1200" dirty="0" smtClean="0">
+              <a:solidFill>
+                <a:schemeClr val="tx1"/>
+              </a:solidFill>
+            </a:endParaRPr>
+          </a:p>
+        </p:txBody>
+      </p:sp>
+      <p:sp>
+        <p:nvSpPr>
+          <p:cNvPr id="54" name="Ovaal 53"/>
+          <p:cNvSpPr/>
+          <p:nvPr/>
+        </p:nvSpPr>
+        <p:spPr>
+          <a:xfrm>
+            <a:off x="7692539" y="2533975"/>
+            <a:ext cx="180000" cy="180000"/>
+          </a:xfrm>
+          <a:prstGeom prst="ellipse">
+            <a:avLst/>
+          </a:prstGeom>
+          <a:noFill/>
+        </p:spPr>
+        <p:style>
+          <a:lnRef idx="2">
+            <a:schemeClr val="accent1">
+              <a:shade val="50000"/>
+            </a:schemeClr>
+          </a:lnRef>
+          <a:fillRef idx="1">
+            <a:schemeClr val="accent1"/>
+          </a:fillRef>
+          <a:effectRef idx="0">
+            <a:schemeClr val="accent1"/>
+          </a:effectRef>
+          <a:fontRef idx="minor">
+            <a:schemeClr val="lt1"/>
+          </a:fontRef>
+        </p:style>
+        <p:txBody>
+          <a:bodyPr rtlCol="0" anchor="ctr"/>
+          <a:lstStyle/>
+          <a:p>
+            <a:pPr algn="ctr"/>
+            <a:endParaRPr lang="nl-NL" sz="1400"/>
+          </a:p>
+        </p:txBody>
+      </p:sp>
+      <p:sp>
+        <p:nvSpPr>
+          <p:cNvPr id="56" name="Tekstvak 55"/>
+          <p:cNvSpPr txBox="1"/>
+          <p:nvPr/>
+        </p:nvSpPr>
+        <p:spPr>
+          <a:xfrm>
+            <a:off x="6817459" y="2521507"/>
+            <a:ext cx="893193" cy="230832"/>
+          </a:xfrm>
+          <a:prstGeom prst="rect">
+            <a:avLst/>
+          </a:prstGeom>
+          <a:noFill/>
+        </p:spPr>
+        <p:txBody>
+          <a:bodyPr wrap="none" rtlCol="0">
+            <a:spAutoFit/>
+          </a:bodyPr>
+          <a:lstStyle/>
+          <a:p>
+            <a:r>
+              <a:rPr lang="nl-NL" sz="900" dirty="0" smtClean="0"/>
+              <a:t>range=</a:t>
+            </a:r>
+            <a:r>
+              <a:rPr lang="nl-NL" sz="900" dirty="0" err="1" smtClean="0"/>
+              <a:t>boolean</a:t>
+            </a:r>
+            <a:endParaRPr lang="nl-NL" sz="900" dirty="0"/>
+          </a:p>
+        </p:txBody>
+      </p:sp>
+      <p:sp>
+        <p:nvSpPr>
+          <p:cNvPr id="57" name="Rechthoek 56"/>
+          <p:cNvSpPr/>
+          <p:nvPr/>
+        </p:nvSpPr>
+        <p:spPr>
+          <a:xfrm>
+            <a:off x="8026674" y="2054428"/>
+            <a:ext cx="1452506" cy="336514"/>
+          </a:xfrm>
+          <a:prstGeom prst="rect">
+            <a:avLst/>
+          </a:prstGeom>
+          <a:noFill/>
+        </p:spPr>
+        <p:style>
+          <a:lnRef idx="2">
+            <a:schemeClr val="accent1">
+              <a:shade val="50000"/>
+            </a:schemeClr>
+          </a:lnRef>
+          <a:fillRef idx="1">
+            <a:schemeClr val="accent1"/>
+          </a:fillRef>
+          <a:effectRef idx="0">
+            <a:schemeClr val="accent1"/>
+          </a:effectRef>
+          <a:fontRef idx="minor">
+            <a:schemeClr val="lt1"/>
+          </a:fontRef>
+        </p:style>
+        <p:txBody>
+          <a:bodyPr rtlCol="0" anchor="t" anchorCtr="0"/>
+          <a:lstStyle/>
+          <a:p>
+            <a:pPr algn="ctr"/>
+            <a:r>
+              <a:rPr lang="nl-NL" sz="1200" dirty="0" err="1" smtClean="0">
+                <a:solidFill>
+                  <a:schemeClr val="tx1"/>
+                </a:solidFill>
+              </a:rPr>
+              <a:t>isFunctioneel</a:t>
+            </a:r>
+            <a:endParaRPr lang="nl-NL" sz="1200" dirty="0" smtClean="0">
+              <a:solidFill>
+                <a:schemeClr val="tx1"/>
+              </a:solidFill>
+            </a:endParaRPr>
+          </a:p>
+        </p:txBody>
+      </p:sp>
+      <p:sp>
+        <p:nvSpPr>
+          <p:cNvPr id="58" name="Ovaal 57"/>
+          <p:cNvSpPr/>
+          <p:nvPr/>
+        </p:nvSpPr>
+        <p:spPr>
+          <a:xfrm>
+            <a:off x="8662927" y="1722579"/>
+            <a:ext cx="180000" cy="180000"/>
+          </a:xfrm>
+          <a:prstGeom prst="ellipse">
+            <a:avLst/>
+          </a:prstGeom>
+          <a:noFill/>
+        </p:spPr>
+        <p:style>
+          <a:lnRef idx="2">
+            <a:schemeClr val="accent1">
+              <a:shade val="50000"/>
+            </a:schemeClr>
+          </a:lnRef>
+          <a:fillRef idx="1">
+            <a:schemeClr val="accent1"/>
+          </a:fillRef>
+          <a:effectRef idx="0">
+            <a:schemeClr val="accent1"/>
+          </a:effectRef>
+          <a:fontRef idx="minor">
+            <a:schemeClr val="lt1"/>
+          </a:fontRef>
+        </p:style>
+        <p:txBody>
+          <a:bodyPr rtlCol="0" anchor="ctr"/>
+          <a:lstStyle/>
+          <a:p>
+            <a:pPr algn="ctr"/>
+            <a:endParaRPr lang="nl-NL" sz="1400"/>
+          </a:p>
+        </p:txBody>
+      </p:sp>
+      <p:cxnSp>
+        <p:nvCxnSpPr>
+          <p:cNvPr id="59" name="Rechte verbindingslijn 58"/>
+          <p:cNvCxnSpPr/>
+          <p:nvPr/>
+        </p:nvCxnSpPr>
+        <p:spPr>
+          <a:xfrm flipV="1">
+            <a:off x="8752927" y="1902579"/>
+            <a:ext cx="0" cy="151848"/>
+          </a:xfrm>
+          <a:prstGeom prst="line">
+            <a:avLst/>
+          </a:prstGeom>
+        </p:spPr>
+        <p:style>
+          <a:lnRef idx="1">
+            <a:schemeClr val="accent1"/>
+          </a:lnRef>
+          <a:fillRef idx="0">
+            <a:schemeClr val="accent1"/>
+          </a:fillRef>
+          <a:effectRef idx="0">
+            <a:schemeClr val="accent1"/>
+          </a:effectRef>
+          <a:fontRef idx="minor">
+            <a:schemeClr val="tx1"/>
+          </a:fontRef>
+        </p:style>
+      </p:cxnSp>
+      <p:cxnSp>
+        <p:nvCxnSpPr>
+          <p:cNvPr id="61" name="Rechte verbindingslijn met pijl 60"/>
+          <p:cNvCxnSpPr>
+            <a:stCxn id="58" idx="2"/>
+            <a:endCxn id="63" idx="5"/>
+          </p:cNvCxnSpPr>
+          <p:nvPr/>
+        </p:nvCxnSpPr>
+        <p:spPr>
+          <a:xfrm flipH="1" flipV="1">
+            <a:off x="7265163" y="1347457"/>
+            <a:ext cx="1397764" cy="465122"/>
+          </a:xfrm>
+          <a:prstGeom prst="straightConnector1">
+            <a:avLst/>
+          </a:prstGeom>
+          <a:ln>
+            <a:tailEnd type="triangle"/>
+          </a:ln>
+        </p:spPr>
+        <p:style>
+          <a:lnRef idx="1">
+            <a:schemeClr val="accent1"/>
+          </a:lnRef>
+          <a:fillRef idx="0">
+            <a:schemeClr val="accent1"/>
+          </a:fillRef>
+          <a:effectRef idx="0">
+            <a:schemeClr val="accent1"/>
+          </a:effectRef>
+          <a:fontRef idx="minor">
+            <a:schemeClr val="tx1"/>
+          </a:fontRef>
+        </p:style>
+      </p:cxnSp>
+      <p:sp>
+        <p:nvSpPr>
+          <p:cNvPr id="62" name="Ovaal 61"/>
+          <p:cNvSpPr/>
+          <p:nvPr/>
+        </p:nvSpPr>
+        <p:spPr>
+          <a:xfrm>
+            <a:off x="6836204" y="1196981"/>
+            <a:ext cx="180000" cy="180000"/>
+          </a:xfrm>
+          <a:prstGeom prst="ellipse">
+            <a:avLst/>
+          </a:prstGeom>
+          <a:noFill/>
+        </p:spPr>
+        <p:style>
+          <a:lnRef idx="2">
+            <a:schemeClr val="accent1">
+              <a:shade val="50000"/>
+            </a:schemeClr>
+          </a:lnRef>
+          <a:fillRef idx="1">
+            <a:schemeClr val="accent1"/>
+          </a:fillRef>
+          <a:effectRef idx="0">
+            <a:schemeClr val="accent1"/>
+          </a:effectRef>
+          <a:fontRef idx="minor">
+            <a:schemeClr val="lt1"/>
+          </a:fontRef>
+        </p:style>
+        <p:txBody>
+          <a:bodyPr rtlCol="0" anchor="ctr"/>
+          <a:lstStyle/>
+          <a:p>
+            <a:pPr algn="ctr"/>
+            <a:endParaRPr lang="nl-NL" sz="1400"/>
+          </a:p>
+        </p:txBody>
+      </p:sp>
+      <p:sp>
+        <p:nvSpPr>
+          <p:cNvPr id="63" name="Ovaal 62"/>
+          <p:cNvSpPr/>
+          <p:nvPr/>
+        </p:nvSpPr>
+        <p:spPr>
+          <a:xfrm>
+            <a:off x="7111523" y="1193817"/>
+            <a:ext cx="180000" cy="180000"/>
+          </a:xfrm>
+          <a:prstGeom prst="ellipse">
+            <a:avLst/>
+          </a:prstGeom>
+          <a:noFill/>
+        </p:spPr>
+        <p:style>
+          <a:lnRef idx="2">
+            <a:schemeClr val="accent1">
+              <a:shade val="50000"/>
+            </a:schemeClr>
+          </a:lnRef>
+          <a:fillRef idx="1">
+            <a:schemeClr val="accent1"/>
+          </a:fillRef>
+          <a:effectRef idx="0">
+            <a:schemeClr val="accent1"/>
+          </a:effectRef>
+          <a:fontRef idx="minor">
+            <a:schemeClr val="lt1"/>
+          </a:fontRef>
+        </p:style>
+        <p:txBody>
+          <a:bodyPr rtlCol="0" anchor="ctr"/>
+          <a:lstStyle/>
+          <a:p>
+            <a:pPr algn="ctr"/>
+            <a:endParaRPr lang="nl-NL" sz="1400"/>
+          </a:p>
+        </p:txBody>
+      </p:sp>
+      <p:sp>
+        <p:nvSpPr>
+          <p:cNvPr id="64" name="Tekstvak 63"/>
+          <p:cNvSpPr txBox="1"/>
+          <p:nvPr/>
+        </p:nvSpPr>
+        <p:spPr>
+          <a:xfrm>
+            <a:off x="6756781" y="885200"/>
+            <a:ext cx="311304" cy="369332"/>
+          </a:xfrm>
+          <a:prstGeom prst="rect">
+            <a:avLst/>
+          </a:prstGeom>
+          <a:noFill/>
+        </p:spPr>
+        <p:txBody>
+          <a:bodyPr wrap="none" rtlCol="0">
+            <a:spAutoFit/>
+          </a:bodyPr>
+          <a:lstStyle/>
+          <a:p>
+            <a:r>
+              <a:rPr lang="nl-NL" sz="900" dirty="0"/>
+              <a:t>1</a:t>
+            </a:r>
+            <a:endParaRPr lang="nl-NL" sz="900" dirty="0" smtClean="0"/>
+          </a:p>
+          <a:p>
+            <a:r>
+              <a:rPr lang="nl-NL" sz="900" dirty="0" smtClean="0"/>
+              <a:t>PA</a:t>
+            </a:r>
+          </a:p>
+        </p:txBody>
+      </p:sp>
+      <p:sp>
+        <p:nvSpPr>
+          <p:cNvPr id="65" name="Tekstvak 64"/>
+          <p:cNvSpPr txBox="1"/>
+          <p:nvPr/>
+        </p:nvSpPr>
+        <p:spPr>
+          <a:xfrm>
+            <a:off x="7033849" y="885200"/>
+            <a:ext cx="311304" cy="369332"/>
+          </a:xfrm>
+          <a:prstGeom prst="rect">
+            <a:avLst/>
+          </a:prstGeom>
+          <a:noFill/>
+        </p:spPr>
+        <p:txBody>
+          <a:bodyPr wrap="none" rtlCol="0">
+            <a:spAutoFit/>
+          </a:bodyPr>
+          <a:lstStyle/>
+          <a:p>
+            <a:r>
+              <a:rPr lang="nl-NL" sz="900" dirty="0"/>
+              <a:t>1</a:t>
+            </a:r>
+            <a:endParaRPr lang="nl-NL" sz="900" dirty="0" smtClean="0"/>
+          </a:p>
+          <a:p>
+            <a:r>
+              <a:rPr lang="nl-NL" sz="900" dirty="0" smtClean="0"/>
+              <a:t>PA</a:t>
+            </a:r>
+            <a:endParaRPr lang="nl-NL" sz="900" dirty="0"/>
+          </a:p>
+        </p:txBody>
+      </p:sp>
+      <p:sp>
+        <p:nvSpPr>
+          <p:cNvPr id="66" name="Tekstvak 65"/>
+          <p:cNvSpPr txBox="1"/>
+          <p:nvPr/>
+        </p:nvSpPr>
+        <p:spPr>
+          <a:xfrm>
+            <a:off x="7817960" y="1710111"/>
+            <a:ext cx="893193" cy="230832"/>
+          </a:xfrm>
+          <a:prstGeom prst="rect">
+            <a:avLst/>
+          </a:prstGeom>
+          <a:noFill/>
+        </p:spPr>
+        <p:txBody>
+          <a:bodyPr wrap="none" rtlCol="0">
+            <a:spAutoFit/>
+          </a:bodyPr>
+          <a:lstStyle/>
+          <a:p>
+            <a:r>
+              <a:rPr lang="nl-NL" sz="900" dirty="0" smtClean="0"/>
+              <a:t>range=</a:t>
+            </a:r>
+            <a:r>
+              <a:rPr lang="nl-NL" sz="900" dirty="0" err="1" smtClean="0"/>
+              <a:t>boolean</a:t>
+            </a:r>
+            <a:endParaRPr lang="nl-NL" sz="900" dirty="0"/>
+          </a:p>
+        </p:txBody>
+      </p:sp>
+      <p:cxnSp>
+        <p:nvCxnSpPr>
+          <p:cNvPr id="619" name="Rechte verbindingslijn met pijl 618"/>
+          <p:cNvCxnSpPr>
+            <a:stCxn id="54" idx="1"/>
+            <a:endCxn id="62" idx="5"/>
+          </p:cNvCxnSpPr>
+          <p:nvPr/>
+        </p:nvCxnSpPr>
+        <p:spPr>
+          <a:xfrm flipH="1" flipV="1">
+            <a:off x="6989844" y="1350621"/>
+            <a:ext cx="729055" cy="1209714"/>
+          </a:xfrm>
+          <a:prstGeom prst="straightConnector1">
+            <a:avLst/>
+          </a:prstGeom>
+          <a:ln>
+            <a:tailEnd type="triangle"/>
+          </a:ln>
+        </p:spPr>
+        <p:style>
+          <a:lnRef idx="1">
+            <a:schemeClr val="accent1"/>
+          </a:lnRef>
+          <a:fillRef idx="0">
+            <a:schemeClr val="accent1"/>
+          </a:fillRef>
+          <a:effectRef idx="0">
+            <a:schemeClr val="accent1"/>
+          </a:effectRef>
+          <a:fontRef idx="minor">
+            <a:schemeClr val="tx1"/>
+          </a:fontRef>
+        </p:style>
+      </p:cxnSp>
+      <p:cxnSp>
+        <p:nvCxnSpPr>
+          <p:cNvPr id="622" name="Rechte verbindingslijn 621"/>
+          <p:cNvCxnSpPr>
+            <a:stCxn id="53" idx="0"/>
+            <a:endCxn id="54" idx="4"/>
+          </p:cNvCxnSpPr>
+          <p:nvPr/>
+        </p:nvCxnSpPr>
+        <p:spPr>
+          <a:xfrm flipV="1">
+            <a:off x="7782539" y="2713975"/>
+            <a:ext cx="0" cy="207099"/>
+          </a:xfrm>
+          <a:prstGeom prst="line">
+            <a:avLst/>
+          </a:prstGeom>
+        </p:spPr>
+        <p:style>
+          <a:lnRef idx="1">
+            <a:schemeClr val="accent1"/>
+          </a:lnRef>
+          <a:fillRef idx="0">
+            <a:schemeClr val="accent1"/>
+          </a:fillRef>
+          <a:effectRef idx="0">
+            <a:schemeClr val="accent1"/>
+          </a:effectRef>
+          <a:fontRef idx="minor">
+            <a:schemeClr val="tx1"/>
+          </a:fontRef>
+        </p:style>
+      </p:cxnSp>
+      <p:sp>
+        <p:nvSpPr>
+          <p:cNvPr id="634" name="Rechthoek 633"/>
+          <p:cNvSpPr/>
+          <p:nvPr/>
+        </p:nvSpPr>
+        <p:spPr>
+          <a:xfrm>
+            <a:off x="8017273" y="1131828"/>
+            <a:ext cx="1452506" cy="336514"/>
+          </a:xfrm>
+          <a:prstGeom prst="rect">
+            <a:avLst/>
+          </a:prstGeom>
+          <a:noFill/>
+        </p:spPr>
+        <p:style>
+          <a:lnRef idx="2">
+            <a:schemeClr val="accent1">
+              <a:shade val="50000"/>
+            </a:schemeClr>
+          </a:lnRef>
+          <a:fillRef idx="1">
+            <a:schemeClr val="accent1"/>
+          </a:fillRef>
+          <a:effectRef idx="0">
+            <a:schemeClr val="accent1"/>
+          </a:effectRef>
+          <a:fontRef idx="minor">
+            <a:schemeClr val="lt1"/>
+          </a:fontRef>
+        </p:style>
+        <p:txBody>
+          <a:bodyPr rtlCol="0" anchor="t" anchorCtr="0"/>
+          <a:lstStyle/>
+          <a:p>
+            <a:pPr algn="ctr"/>
+            <a:r>
+              <a:rPr lang="nl-NL" sz="1200" dirty="0" err="1" smtClean="0">
+                <a:solidFill>
+                  <a:schemeClr val="tx1"/>
+                </a:solidFill>
+              </a:rPr>
+              <a:t>pragma</a:t>
+            </a:r>
+            <a:endParaRPr lang="nl-NL" sz="1200" dirty="0" smtClean="0">
+              <a:solidFill>
+                <a:schemeClr val="tx1"/>
+              </a:solidFill>
+            </a:endParaRPr>
+          </a:p>
+        </p:txBody>
+      </p:sp>
+      <p:sp>
+        <p:nvSpPr>
+          <p:cNvPr id="635" name="Ovaal 634"/>
+          <p:cNvSpPr/>
+          <p:nvPr/>
+        </p:nvSpPr>
+        <p:spPr>
+          <a:xfrm>
+            <a:off x="8653526" y="697670"/>
+            <a:ext cx="180000" cy="180000"/>
+          </a:xfrm>
+          <a:prstGeom prst="ellipse">
+            <a:avLst/>
+          </a:prstGeom>
+          <a:noFill/>
+        </p:spPr>
+        <p:style>
+          <a:lnRef idx="2">
+            <a:schemeClr val="accent1">
+              <a:shade val="50000"/>
+            </a:schemeClr>
+          </a:lnRef>
+          <a:fillRef idx="1">
+            <a:schemeClr val="accent1"/>
+          </a:fillRef>
+          <a:effectRef idx="0">
+            <a:schemeClr val="accent1"/>
+          </a:effectRef>
+          <a:fontRef idx="minor">
+            <a:schemeClr val="lt1"/>
+          </a:fontRef>
+        </p:style>
+        <p:txBody>
+          <a:bodyPr rtlCol="0" anchor="ctr"/>
+          <a:lstStyle/>
+          <a:p>
+            <a:pPr algn="ctr"/>
+            <a:endParaRPr lang="nl-NL" sz="1400"/>
+          </a:p>
+        </p:txBody>
+      </p:sp>
+      <p:cxnSp>
+        <p:nvCxnSpPr>
+          <p:cNvPr id="636" name="Rechte verbindingslijn 635"/>
+          <p:cNvCxnSpPr>
+            <a:endCxn id="635" idx="4"/>
+          </p:cNvCxnSpPr>
+          <p:nvPr/>
+        </p:nvCxnSpPr>
+        <p:spPr>
+          <a:xfrm flipV="1">
+            <a:off x="8743526" y="877670"/>
+            <a:ext cx="0" cy="254157"/>
+          </a:xfrm>
+          <a:prstGeom prst="line">
+            <a:avLst/>
+          </a:prstGeom>
+        </p:spPr>
+        <p:style>
+          <a:lnRef idx="1">
+            <a:schemeClr val="accent1"/>
+          </a:lnRef>
+          <a:fillRef idx="0">
+            <a:schemeClr val="accent1"/>
+          </a:fillRef>
+          <a:effectRef idx="0">
+            <a:schemeClr val="accent1"/>
+          </a:effectRef>
+          <a:fontRef idx="minor">
+            <a:schemeClr val="tx1"/>
+          </a:fontRef>
+        </p:style>
+      </p:cxnSp>
+      <p:sp>
+        <p:nvSpPr>
+          <p:cNvPr id="637" name="Tekstvak 636"/>
+          <p:cNvSpPr txBox="1"/>
+          <p:nvPr/>
+        </p:nvSpPr>
+        <p:spPr>
+          <a:xfrm>
+            <a:off x="8802594" y="769784"/>
+            <a:ext cx="867545" cy="230832"/>
+          </a:xfrm>
+          <a:prstGeom prst="rect">
+            <a:avLst/>
+          </a:prstGeom>
+          <a:noFill/>
+        </p:spPr>
+        <p:txBody>
+          <a:bodyPr wrap="none" rtlCol="0">
+            <a:spAutoFit/>
+          </a:bodyPr>
+          <a:lstStyle/>
+          <a:p>
+            <a:r>
+              <a:rPr lang="nl-NL" sz="900" dirty="0" smtClean="0"/>
+              <a:t>range=</a:t>
+            </a:r>
+            <a:r>
+              <a:rPr lang="nl-NL" sz="900" dirty="0" err="1" smtClean="0"/>
+              <a:t>pragma</a:t>
+            </a:r>
+            <a:endParaRPr lang="nl-NL" sz="900" dirty="0"/>
+          </a:p>
+        </p:txBody>
+      </p:sp>
+      <p:sp>
+        <p:nvSpPr>
+          <p:cNvPr id="640" name="Ovaal 639"/>
+          <p:cNvSpPr/>
+          <p:nvPr/>
+        </p:nvSpPr>
+        <p:spPr>
+          <a:xfrm>
+            <a:off x="7416961" y="1187601"/>
+            <a:ext cx="180000" cy="180000"/>
+          </a:xfrm>
+          <a:prstGeom prst="ellipse">
+            <a:avLst/>
+          </a:prstGeom>
+          <a:noFill/>
+        </p:spPr>
+        <p:style>
+          <a:lnRef idx="2">
+            <a:schemeClr val="accent1">
+              <a:shade val="50000"/>
+            </a:schemeClr>
+          </a:lnRef>
+          <a:fillRef idx="1">
+            <a:schemeClr val="accent1"/>
+          </a:fillRef>
+          <a:effectRef idx="0">
+            <a:schemeClr val="accent1"/>
+          </a:effectRef>
+          <a:fontRef idx="minor">
+            <a:schemeClr val="lt1"/>
+          </a:fontRef>
+        </p:style>
+        <p:txBody>
+          <a:bodyPr rtlCol="0" anchor="ctr"/>
+          <a:lstStyle/>
+          <a:p>
+            <a:pPr algn="ctr"/>
+            <a:endParaRPr lang="nl-NL" sz="1400"/>
+          </a:p>
+        </p:txBody>
+      </p:sp>
+      <p:sp>
+        <p:nvSpPr>
+          <p:cNvPr id="641" name="Tekstvak 640"/>
+          <p:cNvSpPr txBox="1"/>
+          <p:nvPr/>
+        </p:nvSpPr>
+        <p:spPr>
+          <a:xfrm>
+            <a:off x="7339287" y="878984"/>
+            <a:ext cx="335348" cy="369332"/>
+          </a:xfrm>
+          <a:prstGeom prst="rect">
+            <a:avLst/>
+          </a:prstGeom>
+          <a:noFill/>
+        </p:spPr>
+        <p:txBody>
+          <a:bodyPr wrap="none" rtlCol="0">
+            <a:spAutoFit/>
+          </a:bodyPr>
+          <a:lstStyle/>
+          <a:p>
+            <a:r>
+              <a:rPr lang="nl-NL" sz="900" dirty="0" smtClean="0"/>
+              <a:t>0-1</a:t>
+            </a:r>
+            <a:endParaRPr lang="nl-NL" sz="900" dirty="0" smtClean="0"/>
+          </a:p>
+          <a:p>
+            <a:r>
+              <a:rPr lang="nl-NL" sz="900" dirty="0" smtClean="0"/>
+              <a:t>PA</a:t>
+            </a:r>
+            <a:endParaRPr lang="nl-NL" sz="900" dirty="0"/>
+          </a:p>
+        </p:txBody>
+      </p:sp>
+      <p:cxnSp>
+        <p:nvCxnSpPr>
+          <p:cNvPr id="642" name="Rechte verbindingslijn met pijl 641"/>
+          <p:cNvCxnSpPr>
+            <a:stCxn id="635" idx="2"/>
+            <a:endCxn id="640" idx="6"/>
+          </p:cNvCxnSpPr>
+          <p:nvPr/>
+        </p:nvCxnSpPr>
+        <p:spPr>
+          <a:xfrm flipH="1">
+            <a:off x="7596961" y="787670"/>
+            <a:ext cx="1056565" cy="489931"/>
+          </a:xfrm>
+          <a:prstGeom prst="straightConnector1">
+            <a:avLst/>
+          </a:prstGeom>
+          <a:ln>
+            <a:tailEnd type="triangle"/>
+          </a:ln>
+        </p:spPr>
+        <p:style>
+          <a:lnRef idx="1">
+            <a:schemeClr val="accent1"/>
+          </a:lnRef>
+          <a:fillRef idx="0">
+            <a:schemeClr val="accent1"/>
+          </a:fillRef>
+          <a:effectRef idx="0">
+            <a:schemeClr val="accent1"/>
+          </a:effectRef>
+          <a:fontRef idx="minor">
+            <a:schemeClr val="tx1"/>
+          </a:fontRef>
+        </p:style>
+      </p:cxnSp>
     </p:spTree>
     <p:extLst>
       <p:ext uri="{BB962C8B-B14F-4D97-AF65-F5344CB8AC3E}">
@@ -9362,11 +10234,7 @@
           <a:p>
             <a:r>
               <a:rPr lang="nl-NL" sz="900" dirty="0" smtClean="0"/>
-              <a:t>r</a:t>
-            </a:r>
-            <a:r>
-              <a:rPr lang="nl-NL" sz="900" dirty="0" smtClean="0"/>
-              <a:t>ange=</a:t>
+              <a:t>range=</a:t>
             </a:r>
             <a:r>
               <a:rPr lang="nl-NL" sz="900" dirty="0" err="1" smtClean="0"/>
@@ -9545,11 +10413,6 @@
               </a:rPr>
               <a:t>Range</a:t>
             </a:r>
-            <a:endParaRPr lang="nl-NL" sz="1200" dirty="0" smtClean="0">
-              <a:solidFill>
-                <a:schemeClr val="tx1"/>
-              </a:solidFill>
-            </a:endParaRPr>
           </a:p>
         </p:txBody>
       </p:sp>
@@ -10114,11 +10977,7 @@
           <a:p>
             <a:r>
               <a:rPr lang="nl-NL" sz="900" dirty="0" smtClean="0"/>
-              <a:t>r</a:t>
-            </a:r>
-            <a:r>
-              <a:rPr lang="nl-NL" sz="900" dirty="0" smtClean="0"/>
-              <a:t>ange=</a:t>
+              <a:t>range=</a:t>
             </a:r>
             <a:r>
               <a:rPr lang="nl-NL" sz="900" dirty="0" err="1" smtClean="0"/>
@@ -10152,11 +11011,7 @@
           <a:p>
             <a:r>
               <a:rPr lang="nl-NL" sz="900" dirty="0" smtClean="0"/>
-              <a:t>r</a:t>
-            </a:r>
-            <a:r>
-              <a:rPr lang="nl-NL" sz="900" dirty="0" smtClean="0"/>
-              <a:t>ange=</a:t>
+              <a:t>range=</a:t>
             </a:r>
             <a:r>
               <a:rPr lang="nl-NL" sz="900" dirty="0" err="1" smtClean="0"/>
@@ -10610,11 +11465,6 @@
               </a:rPr>
               <a:t>Volgnummer</a:t>
             </a:r>
-            <a:endParaRPr lang="nl-NL" sz="1200" dirty="0" smtClean="0">
-              <a:solidFill>
-                <a:schemeClr val="tx1"/>
-              </a:solidFill>
-            </a:endParaRPr>
           </a:p>
         </p:txBody>
       </p:sp>
@@ -11137,11 +11987,6 @@
               </a:rPr>
               <a:t>ID</a:t>
             </a:r>
-            <a:endParaRPr lang="nl-NL" sz="1600" dirty="0" smtClean="0">
-              <a:solidFill>
-                <a:schemeClr val="tx1"/>
-              </a:solidFill>
-            </a:endParaRPr>
           </a:p>
         </p:txBody>
       </p:sp>
@@ -11819,11 +12664,7 @@
           <a:p>
             <a:r>
               <a:rPr lang="nl-NL" sz="1400" dirty="0" smtClean="0"/>
-              <a:t>T</a:t>
-            </a:r>
-            <a:r>
-              <a:rPr lang="nl-NL" sz="1400" dirty="0" smtClean="0"/>
-              <a:t>ype</a:t>
+              <a:t>Type</a:t>
             </a:r>
             <a:endParaRPr lang="nl-NL" sz="1400" dirty="0"/>
           </a:p>
@@ -12308,6 +13149,2634 @@
     <p:extLst>
       <p:ext uri="{BB962C8B-B14F-4D97-AF65-F5344CB8AC3E}">
         <p14:creationId xmlns:p14="http://schemas.microsoft.com/office/powerpoint/2010/main" val="1347889021"/>
+      </p:ext>
+    </p:extLst>
+  </p:cSld>
+  <p:clrMapOvr>
+    <a:masterClrMapping/>
+  </p:clrMapOvr>
+</p:sld>
+</file>
+
+<file path=ppt/slides/slide18.xml><?xml version="1.0" encoding="utf-8"?>
+<p:sld xmlns:a="http://schemas.openxmlformats.org/drawingml/2006/main" xmlns:r="http://schemas.openxmlformats.org/officeDocument/2006/relationships" xmlns:p="http://schemas.openxmlformats.org/presentationml/2006/main">
+  <p:cSld>
+    <p:spTree>
+      <p:nvGrpSpPr>
+        <p:cNvPr id="1" name=""/>
+        <p:cNvGrpSpPr/>
+        <p:nvPr/>
+      </p:nvGrpSpPr>
+      <p:grpSpPr>
+        <a:xfrm>
+          <a:off x="0" y="0"/>
+          <a:ext cx="0" cy="0"/>
+          <a:chOff x="0" y="0"/>
+          <a:chExt cx="0" cy="0"/>
+        </a:xfrm>
+      </p:grpSpPr>
+      <p:sp>
+        <p:nvSpPr>
+          <p:cNvPr id="10" name="Rechthoek 9"/>
+          <p:cNvSpPr/>
+          <p:nvPr/>
+        </p:nvSpPr>
+        <p:spPr>
+          <a:xfrm>
+            <a:off x="4065224" y="3346588"/>
+            <a:ext cx="1609805" cy="371461"/>
+          </a:xfrm>
+          <a:prstGeom prst="rect">
+            <a:avLst/>
+          </a:prstGeom>
+          <a:noFill/>
+        </p:spPr>
+        <p:style>
+          <a:lnRef idx="2">
+            <a:schemeClr val="accent1">
+              <a:shade val="50000"/>
+            </a:schemeClr>
+          </a:lnRef>
+          <a:fillRef idx="1">
+            <a:schemeClr val="accent1"/>
+          </a:fillRef>
+          <a:effectRef idx="0">
+            <a:schemeClr val="accent1"/>
+          </a:effectRef>
+          <a:fontRef idx="minor">
+            <a:schemeClr val="lt1"/>
+          </a:fontRef>
+        </p:style>
+        <p:txBody>
+          <a:bodyPr rtlCol="0" anchor="t" anchorCtr="0"/>
+          <a:lstStyle/>
+          <a:p>
+            <a:pPr algn="ctr"/>
+            <a:r>
+              <a:rPr lang="nl-NL" sz="1200" dirty="0" err="1" smtClean="0">
+                <a:solidFill>
+                  <a:schemeClr val="tx1"/>
+                </a:solidFill>
+              </a:rPr>
+              <a:t>RolInContextType</a:t>
+            </a:r>
+            <a:endParaRPr lang="nl-NL" sz="1200" dirty="0" smtClean="0">
+              <a:solidFill>
+                <a:schemeClr val="tx1"/>
+              </a:solidFill>
+            </a:endParaRPr>
+          </a:p>
+        </p:txBody>
+      </p:sp>
+      <p:sp>
+        <p:nvSpPr>
+          <p:cNvPr id="75" name="Rechthoek 74"/>
+          <p:cNvSpPr/>
+          <p:nvPr/>
+        </p:nvSpPr>
+        <p:spPr>
+          <a:xfrm>
+            <a:off x="6200886" y="3346589"/>
+            <a:ext cx="1452506" cy="371461"/>
+          </a:xfrm>
+          <a:prstGeom prst="rect">
+            <a:avLst/>
+          </a:prstGeom>
+          <a:noFill/>
+        </p:spPr>
+        <p:style>
+          <a:lnRef idx="2">
+            <a:schemeClr val="accent1">
+              <a:shade val="50000"/>
+            </a:schemeClr>
+          </a:lnRef>
+          <a:fillRef idx="1">
+            <a:schemeClr val="accent1"/>
+          </a:fillRef>
+          <a:effectRef idx="0">
+            <a:schemeClr val="accent1"/>
+          </a:effectRef>
+          <a:fontRef idx="minor">
+            <a:schemeClr val="lt1"/>
+          </a:fontRef>
+        </p:style>
+        <p:txBody>
+          <a:bodyPr rtlCol="0" anchor="t" anchorCtr="0"/>
+          <a:lstStyle/>
+          <a:p>
+            <a:pPr algn="ctr"/>
+            <a:r>
+              <a:rPr lang="nl-NL" sz="1200" dirty="0" smtClean="0">
+                <a:solidFill>
+                  <a:schemeClr val="tx1"/>
+                </a:solidFill>
+              </a:rPr>
+              <a:t>Aangever</a:t>
+            </a:r>
+            <a:endParaRPr lang="nl-NL" sz="1200" dirty="0" smtClean="0">
+              <a:solidFill>
+                <a:schemeClr val="tx1"/>
+              </a:solidFill>
+            </a:endParaRPr>
+          </a:p>
+        </p:txBody>
+      </p:sp>
+      <p:sp>
+        <p:nvSpPr>
+          <p:cNvPr id="76" name="Ovaal 75"/>
+          <p:cNvSpPr/>
+          <p:nvPr/>
+        </p:nvSpPr>
+        <p:spPr>
+          <a:xfrm>
+            <a:off x="6837139" y="2952628"/>
+            <a:ext cx="180000" cy="180000"/>
+          </a:xfrm>
+          <a:prstGeom prst="ellipse">
+            <a:avLst/>
+          </a:prstGeom>
+          <a:noFill/>
+        </p:spPr>
+        <p:style>
+          <a:lnRef idx="2">
+            <a:schemeClr val="accent1">
+              <a:shade val="50000"/>
+            </a:schemeClr>
+          </a:lnRef>
+          <a:fillRef idx="1">
+            <a:schemeClr val="accent1"/>
+          </a:fillRef>
+          <a:effectRef idx="0">
+            <a:schemeClr val="accent1"/>
+          </a:effectRef>
+          <a:fontRef idx="minor">
+            <a:schemeClr val="lt1"/>
+          </a:fontRef>
+        </p:style>
+        <p:txBody>
+          <a:bodyPr rtlCol="0" anchor="ctr"/>
+          <a:lstStyle/>
+          <a:p>
+            <a:pPr algn="ctr"/>
+            <a:endParaRPr lang="nl-NL" sz="1400"/>
+          </a:p>
+        </p:txBody>
+      </p:sp>
+      <p:cxnSp>
+        <p:nvCxnSpPr>
+          <p:cNvPr id="77" name="Rechte verbindingslijn 76"/>
+          <p:cNvCxnSpPr>
+            <a:stCxn id="75" idx="0"/>
+            <a:endCxn id="76" idx="4"/>
+          </p:cNvCxnSpPr>
+          <p:nvPr/>
+        </p:nvCxnSpPr>
+        <p:spPr>
+          <a:xfrm flipV="1">
+            <a:off x="6927139" y="3132628"/>
+            <a:ext cx="0" cy="213961"/>
+          </a:xfrm>
+          <a:prstGeom prst="line">
+            <a:avLst/>
+          </a:prstGeom>
+        </p:spPr>
+        <p:style>
+          <a:lnRef idx="1">
+            <a:schemeClr val="accent1"/>
+          </a:lnRef>
+          <a:fillRef idx="0">
+            <a:schemeClr val="accent1"/>
+          </a:fillRef>
+          <a:effectRef idx="0">
+            <a:schemeClr val="accent1"/>
+          </a:effectRef>
+          <a:fontRef idx="minor">
+            <a:schemeClr val="tx1"/>
+          </a:fontRef>
+        </p:style>
+      </p:cxnSp>
+      <p:sp>
+        <p:nvSpPr>
+          <p:cNvPr id="79" name="Rechthoek 78"/>
+          <p:cNvSpPr/>
+          <p:nvPr/>
+        </p:nvSpPr>
+        <p:spPr>
+          <a:xfrm>
+            <a:off x="7171273" y="4116907"/>
+            <a:ext cx="1606641" cy="371460"/>
+          </a:xfrm>
+          <a:prstGeom prst="rect">
+            <a:avLst/>
+          </a:prstGeom>
+          <a:noFill/>
+        </p:spPr>
+        <p:style>
+          <a:lnRef idx="2">
+            <a:schemeClr val="accent1">
+              <a:shade val="50000"/>
+            </a:schemeClr>
+          </a:lnRef>
+          <a:fillRef idx="1">
+            <a:schemeClr val="accent1"/>
+          </a:fillRef>
+          <a:effectRef idx="0">
+            <a:schemeClr val="accent1"/>
+          </a:effectRef>
+          <a:fontRef idx="minor">
+            <a:schemeClr val="lt1"/>
+          </a:fontRef>
+        </p:style>
+        <p:txBody>
+          <a:bodyPr rtlCol="0" anchor="t" anchorCtr="0"/>
+          <a:lstStyle/>
+          <a:p>
+            <a:pPr algn="ctr"/>
+            <a:r>
+              <a:rPr lang="nl-NL" sz="1200" dirty="0" smtClean="0">
+                <a:solidFill>
+                  <a:schemeClr val="tx1"/>
+                </a:solidFill>
+              </a:rPr>
+              <a:t>Aantekeningen</a:t>
+            </a:r>
+            <a:endParaRPr lang="nl-NL" sz="1200" dirty="0" smtClean="0">
+              <a:solidFill>
+                <a:schemeClr val="tx1"/>
+              </a:solidFill>
+            </a:endParaRPr>
+          </a:p>
+        </p:txBody>
+      </p:sp>
+      <p:sp>
+        <p:nvSpPr>
+          <p:cNvPr id="80" name="Ovaal 79"/>
+          <p:cNvSpPr/>
+          <p:nvPr/>
+        </p:nvSpPr>
+        <p:spPr>
+          <a:xfrm>
+            <a:off x="7884593" y="3791672"/>
+            <a:ext cx="180000" cy="180000"/>
+          </a:xfrm>
+          <a:prstGeom prst="ellipse">
+            <a:avLst/>
+          </a:prstGeom>
+          <a:noFill/>
+        </p:spPr>
+        <p:style>
+          <a:lnRef idx="2">
+            <a:schemeClr val="accent1">
+              <a:shade val="50000"/>
+            </a:schemeClr>
+          </a:lnRef>
+          <a:fillRef idx="1">
+            <a:schemeClr val="accent1"/>
+          </a:fillRef>
+          <a:effectRef idx="0">
+            <a:schemeClr val="accent1"/>
+          </a:effectRef>
+          <a:fontRef idx="minor">
+            <a:schemeClr val="lt1"/>
+          </a:fontRef>
+        </p:style>
+        <p:txBody>
+          <a:bodyPr rtlCol="0" anchor="ctr"/>
+          <a:lstStyle/>
+          <a:p>
+            <a:pPr algn="ctr"/>
+            <a:endParaRPr lang="nl-NL" sz="1400"/>
+          </a:p>
+        </p:txBody>
+      </p:sp>
+      <p:cxnSp>
+        <p:nvCxnSpPr>
+          <p:cNvPr id="81" name="Rechte verbindingslijn 80"/>
+          <p:cNvCxnSpPr>
+            <a:stCxn id="79" idx="0"/>
+            <a:endCxn id="80" idx="4"/>
+          </p:cNvCxnSpPr>
+          <p:nvPr/>
+        </p:nvCxnSpPr>
+        <p:spPr>
+          <a:xfrm flipH="1" flipV="1">
+            <a:off x="7974593" y="3971672"/>
+            <a:ext cx="1" cy="145235"/>
+          </a:xfrm>
+          <a:prstGeom prst="line">
+            <a:avLst/>
+          </a:prstGeom>
+        </p:spPr>
+        <p:style>
+          <a:lnRef idx="1">
+            <a:schemeClr val="accent1"/>
+          </a:lnRef>
+          <a:fillRef idx="0">
+            <a:schemeClr val="accent1"/>
+          </a:fillRef>
+          <a:effectRef idx="0">
+            <a:schemeClr val="accent1"/>
+          </a:effectRef>
+          <a:fontRef idx="minor">
+            <a:schemeClr val="tx1"/>
+          </a:fontRef>
+        </p:style>
+      </p:cxnSp>
+      <p:sp>
+        <p:nvSpPr>
+          <p:cNvPr id="82" name="Rechthoek 81"/>
+          <p:cNvSpPr/>
+          <p:nvPr/>
+        </p:nvSpPr>
+        <p:spPr>
+          <a:xfrm>
+            <a:off x="8141662" y="4889458"/>
+            <a:ext cx="1452506" cy="369227"/>
+          </a:xfrm>
+          <a:prstGeom prst="rect">
+            <a:avLst/>
+          </a:prstGeom>
+          <a:noFill/>
+        </p:spPr>
+        <p:style>
+          <a:lnRef idx="2">
+            <a:schemeClr val="accent1">
+              <a:shade val="50000"/>
+            </a:schemeClr>
+          </a:lnRef>
+          <a:fillRef idx="1">
+            <a:schemeClr val="accent1"/>
+          </a:fillRef>
+          <a:effectRef idx="0">
+            <a:schemeClr val="accent1"/>
+          </a:effectRef>
+          <a:fontRef idx="minor">
+            <a:schemeClr val="lt1"/>
+          </a:fontRef>
+        </p:style>
+        <p:txBody>
+          <a:bodyPr rtlCol="0" anchor="t" anchorCtr="0"/>
+          <a:lstStyle/>
+          <a:p>
+            <a:pPr algn="ctr"/>
+            <a:r>
+              <a:rPr lang="nl-NL" sz="1200" dirty="0" smtClean="0">
+                <a:solidFill>
+                  <a:schemeClr val="tx1"/>
+                </a:solidFill>
+              </a:rPr>
+              <a:t>Urgentie</a:t>
+            </a:r>
+            <a:endParaRPr lang="nl-NL" sz="1200" dirty="0" smtClean="0">
+              <a:solidFill>
+                <a:schemeClr val="tx1"/>
+              </a:solidFill>
+            </a:endParaRPr>
+          </a:p>
+        </p:txBody>
+      </p:sp>
+      <p:sp>
+        <p:nvSpPr>
+          <p:cNvPr id="83" name="Ovaal 82"/>
+          <p:cNvSpPr/>
+          <p:nvPr/>
+        </p:nvSpPr>
+        <p:spPr>
+          <a:xfrm>
+            <a:off x="8777915" y="4557610"/>
+            <a:ext cx="180000" cy="180000"/>
+          </a:xfrm>
+          <a:prstGeom prst="ellipse">
+            <a:avLst/>
+          </a:prstGeom>
+          <a:noFill/>
+        </p:spPr>
+        <p:style>
+          <a:lnRef idx="2">
+            <a:schemeClr val="accent1">
+              <a:shade val="50000"/>
+            </a:schemeClr>
+          </a:lnRef>
+          <a:fillRef idx="1">
+            <a:schemeClr val="accent1"/>
+          </a:fillRef>
+          <a:effectRef idx="0">
+            <a:schemeClr val="accent1"/>
+          </a:effectRef>
+          <a:fontRef idx="minor">
+            <a:schemeClr val="lt1"/>
+          </a:fontRef>
+        </p:style>
+        <p:txBody>
+          <a:bodyPr rtlCol="0" anchor="ctr"/>
+          <a:lstStyle/>
+          <a:p>
+            <a:pPr algn="ctr"/>
+            <a:endParaRPr lang="nl-NL" sz="1400"/>
+          </a:p>
+        </p:txBody>
+      </p:sp>
+      <p:cxnSp>
+        <p:nvCxnSpPr>
+          <p:cNvPr id="84" name="Rechte verbindingslijn 83"/>
+          <p:cNvCxnSpPr/>
+          <p:nvPr/>
+        </p:nvCxnSpPr>
+        <p:spPr>
+          <a:xfrm flipV="1">
+            <a:off x="8867915" y="4737610"/>
+            <a:ext cx="0" cy="151848"/>
+          </a:xfrm>
+          <a:prstGeom prst="line">
+            <a:avLst/>
+          </a:prstGeom>
+        </p:spPr>
+        <p:style>
+          <a:lnRef idx="1">
+            <a:schemeClr val="accent1"/>
+          </a:lnRef>
+          <a:fillRef idx="0">
+            <a:schemeClr val="accent1"/>
+          </a:fillRef>
+          <a:effectRef idx="0">
+            <a:schemeClr val="accent1"/>
+          </a:effectRef>
+          <a:fontRef idx="minor">
+            <a:schemeClr val="tx1"/>
+          </a:fontRef>
+        </p:style>
+      </p:cxnSp>
+      <p:cxnSp>
+        <p:nvCxnSpPr>
+          <p:cNvPr id="85" name="Rechte verbindingslijn met pijl 84"/>
+          <p:cNvCxnSpPr/>
+          <p:nvPr/>
+        </p:nvCxnSpPr>
+        <p:spPr>
+          <a:xfrm flipV="1">
+            <a:off x="6990779" y="2941269"/>
+            <a:ext cx="1110502" cy="37719"/>
+          </a:xfrm>
+          <a:prstGeom prst="straightConnector1">
+            <a:avLst/>
+          </a:prstGeom>
+          <a:ln>
+            <a:tailEnd type="triangle"/>
+          </a:ln>
+        </p:spPr>
+        <p:style>
+          <a:lnRef idx="1">
+            <a:schemeClr val="accent1"/>
+          </a:lnRef>
+          <a:fillRef idx="0">
+            <a:schemeClr val="accent1"/>
+          </a:fillRef>
+          <a:effectRef idx="0">
+            <a:schemeClr val="accent1"/>
+          </a:effectRef>
+          <a:fontRef idx="minor">
+            <a:schemeClr val="tx1"/>
+          </a:fontRef>
+        </p:style>
+      </p:cxnSp>
+      <p:cxnSp>
+        <p:nvCxnSpPr>
+          <p:cNvPr id="87" name="Rechte verbindingslijn met pijl 86"/>
+          <p:cNvCxnSpPr>
+            <a:stCxn id="83" idx="0"/>
+          </p:cNvCxnSpPr>
+          <p:nvPr/>
+        </p:nvCxnSpPr>
+        <p:spPr>
+          <a:xfrm flipH="1" flipV="1">
+            <a:off x="8825349" y="3031270"/>
+            <a:ext cx="42566" cy="1526340"/>
+          </a:xfrm>
+          <a:prstGeom prst="straightConnector1">
+            <a:avLst/>
+          </a:prstGeom>
+          <a:ln>
+            <a:tailEnd type="triangle"/>
+          </a:ln>
+        </p:spPr>
+        <p:style>
+          <a:lnRef idx="1">
+            <a:schemeClr val="accent1"/>
+          </a:lnRef>
+          <a:fillRef idx="0">
+            <a:schemeClr val="accent1"/>
+          </a:fillRef>
+          <a:effectRef idx="0">
+            <a:schemeClr val="accent1"/>
+          </a:effectRef>
+          <a:fontRef idx="minor">
+            <a:schemeClr val="tx1"/>
+          </a:fontRef>
+        </p:style>
+      </p:cxnSp>
+      <p:sp>
+        <p:nvSpPr>
+          <p:cNvPr id="88" name="Ovaal 87"/>
+          <p:cNvSpPr/>
+          <p:nvPr/>
+        </p:nvSpPr>
+        <p:spPr>
+          <a:xfrm>
+            <a:off x="8623780" y="1994652"/>
+            <a:ext cx="180000" cy="180000"/>
+          </a:xfrm>
+          <a:prstGeom prst="ellipse">
+            <a:avLst/>
+          </a:prstGeom>
+          <a:noFill/>
+        </p:spPr>
+        <p:style>
+          <a:lnRef idx="2">
+            <a:schemeClr val="accent1">
+              <a:shade val="50000"/>
+            </a:schemeClr>
+          </a:lnRef>
+          <a:fillRef idx="1">
+            <a:schemeClr val="accent1"/>
+          </a:fillRef>
+          <a:effectRef idx="0">
+            <a:schemeClr val="accent1"/>
+          </a:effectRef>
+          <a:fontRef idx="minor">
+            <a:schemeClr val="lt1"/>
+          </a:fontRef>
+        </p:style>
+        <p:txBody>
+          <a:bodyPr rtlCol="0" anchor="ctr"/>
+          <a:lstStyle/>
+          <a:p>
+            <a:pPr algn="ctr"/>
+            <a:endParaRPr lang="nl-NL" sz="1400"/>
+          </a:p>
+        </p:txBody>
+      </p:sp>
+      <p:cxnSp>
+        <p:nvCxnSpPr>
+          <p:cNvPr id="89" name="Rechte verbindingslijn 88"/>
+          <p:cNvCxnSpPr/>
+          <p:nvPr/>
+        </p:nvCxnSpPr>
+        <p:spPr>
+          <a:xfrm flipV="1">
+            <a:off x="8713780" y="2174652"/>
+            <a:ext cx="0" cy="187970"/>
+          </a:xfrm>
+          <a:prstGeom prst="line">
+            <a:avLst/>
+          </a:prstGeom>
+        </p:spPr>
+        <p:style>
+          <a:lnRef idx="1">
+            <a:schemeClr val="accent1"/>
+          </a:lnRef>
+          <a:fillRef idx="0">
+            <a:schemeClr val="accent1"/>
+          </a:fillRef>
+          <a:effectRef idx="0">
+            <a:schemeClr val="accent1"/>
+          </a:effectRef>
+          <a:fontRef idx="minor">
+            <a:schemeClr val="tx1"/>
+          </a:fontRef>
+        </p:style>
+      </p:cxnSp>
+      <p:sp>
+        <p:nvSpPr>
+          <p:cNvPr id="90" name="Rechthoek 89"/>
+          <p:cNvSpPr/>
+          <p:nvPr/>
+        </p:nvSpPr>
+        <p:spPr>
+          <a:xfrm>
+            <a:off x="7987527" y="2362622"/>
+            <a:ext cx="1452506" cy="788100"/>
+          </a:xfrm>
+          <a:prstGeom prst="rect">
+            <a:avLst/>
+          </a:prstGeom>
+          <a:noFill/>
+        </p:spPr>
+        <p:style>
+          <a:lnRef idx="2">
+            <a:schemeClr val="accent1">
+              <a:shade val="50000"/>
+            </a:schemeClr>
+          </a:lnRef>
+          <a:fillRef idx="1">
+            <a:schemeClr val="accent1"/>
+          </a:fillRef>
+          <a:effectRef idx="0">
+            <a:schemeClr val="accent1"/>
+          </a:effectRef>
+          <a:fontRef idx="minor">
+            <a:schemeClr val="lt1"/>
+          </a:fontRef>
+        </p:style>
+        <p:txBody>
+          <a:bodyPr rtlCol="0" anchor="t" anchorCtr="0"/>
+          <a:lstStyle/>
+          <a:p>
+            <a:pPr algn="ctr"/>
+            <a:r>
+              <a:rPr lang="nl-NL" sz="1200" dirty="0" smtClean="0">
+                <a:solidFill>
+                  <a:schemeClr val="tx1"/>
+                </a:solidFill>
+              </a:rPr>
+              <a:t>Aangifte</a:t>
+            </a:r>
+            <a:endParaRPr lang="nl-NL" sz="1200" dirty="0" smtClean="0">
+              <a:solidFill>
+                <a:schemeClr val="tx1"/>
+              </a:solidFill>
+            </a:endParaRPr>
+          </a:p>
+        </p:txBody>
+      </p:sp>
+      <p:sp>
+        <p:nvSpPr>
+          <p:cNvPr id="91" name="Ovaal 90"/>
+          <p:cNvSpPr/>
+          <p:nvPr/>
+        </p:nvSpPr>
+        <p:spPr>
+          <a:xfrm>
+            <a:off x="8101281" y="2851269"/>
+            <a:ext cx="180000" cy="180000"/>
+          </a:xfrm>
+          <a:prstGeom prst="ellipse">
+            <a:avLst/>
+          </a:prstGeom>
+          <a:noFill/>
+        </p:spPr>
+        <p:style>
+          <a:lnRef idx="2">
+            <a:schemeClr val="accent1">
+              <a:shade val="50000"/>
+            </a:schemeClr>
+          </a:lnRef>
+          <a:fillRef idx="1">
+            <a:schemeClr val="accent1"/>
+          </a:fillRef>
+          <a:effectRef idx="0">
+            <a:schemeClr val="accent1"/>
+          </a:effectRef>
+          <a:fontRef idx="minor">
+            <a:schemeClr val="lt1"/>
+          </a:fontRef>
+        </p:style>
+        <p:txBody>
+          <a:bodyPr rtlCol="0" anchor="ctr"/>
+          <a:lstStyle/>
+          <a:p>
+            <a:pPr algn="ctr"/>
+            <a:endParaRPr lang="nl-NL" sz="1400"/>
+          </a:p>
+        </p:txBody>
+      </p:sp>
+      <p:sp>
+        <p:nvSpPr>
+          <p:cNvPr id="92" name="Ovaal 91"/>
+          <p:cNvSpPr/>
+          <p:nvPr/>
+        </p:nvSpPr>
+        <p:spPr>
+          <a:xfrm>
+            <a:off x="8418315" y="2851269"/>
+            <a:ext cx="180000" cy="180000"/>
+          </a:xfrm>
+          <a:prstGeom prst="ellipse">
+            <a:avLst/>
+          </a:prstGeom>
+          <a:noFill/>
+        </p:spPr>
+        <p:style>
+          <a:lnRef idx="2">
+            <a:schemeClr val="accent1">
+              <a:shade val="50000"/>
+            </a:schemeClr>
+          </a:lnRef>
+          <a:fillRef idx="1">
+            <a:schemeClr val="accent1"/>
+          </a:fillRef>
+          <a:effectRef idx="0">
+            <a:schemeClr val="accent1"/>
+          </a:effectRef>
+          <a:fontRef idx="minor">
+            <a:schemeClr val="lt1"/>
+          </a:fontRef>
+        </p:style>
+        <p:txBody>
+          <a:bodyPr rtlCol="0" anchor="ctr"/>
+          <a:lstStyle/>
+          <a:p>
+            <a:pPr algn="ctr"/>
+            <a:endParaRPr lang="nl-NL" sz="1400"/>
+          </a:p>
+        </p:txBody>
+      </p:sp>
+      <p:sp>
+        <p:nvSpPr>
+          <p:cNvPr id="93" name="Ovaal 92"/>
+          <p:cNvSpPr/>
+          <p:nvPr/>
+        </p:nvSpPr>
+        <p:spPr>
+          <a:xfrm>
+            <a:off x="8735349" y="2851269"/>
+            <a:ext cx="180000" cy="180000"/>
+          </a:xfrm>
+          <a:prstGeom prst="ellipse">
+            <a:avLst/>
+          </a:prstGeom>
+          <a:noFill/>
+        </p:spPr>
+        <p:style>
+          <a:lnRef idx="2">
+            <a:schemeClr val="accent1">
+              <a:shade val="50000"/>
+            </a:schemeClr>
+          </a:lnRef>
+          <a:fillRef idx="1">
+            <a:schemeClr val="accent1"/>
+          </a:fillRef>
+          <a:effectRef idx="0">
+            <a:schemeClr val="accent1"/>
+          </a:effectRef>
+          <a:fontRef idx="minor">
+            <a:schemeClr val="lt1"/>
+          </a:fontRef>
+        </p:style>
+        <p:txBody>
+          <a:bodyPr rtlCol="0" anchor="ctr"/>
+          <a:lstStyle/>
+          <a:p>
+            <a:pPr algn="ctr"/>
+            <a:endParaRPr lang="nl-NL" sz="1400"/>
+          </a:p>
+        </p:txBody>
+      </p:sp>
+      <p:sp>
+        <p:nvSpPr>
+          <p:cNvPr id="94" name="Tekstvak 93"/>
+          <p:cNvSpPr txBox="1"/>
+          <p:nvPr/>
+        </p:nvSpPr>
+        <p:spPr>
+          <a:xfrm>
+            <a:off x="8021858" y="2539488"/>
+            <a:ext cx="338554" cy="369332"/>
+          </a:xfrm>
+          <a:prstGeom prst="rect">
+            <a:avLst/>
+          </a:prstGeom>
+          <a:noFill/>
+        </p:spPr>
+        <p:txBody>
+          <a:bodyPr wrap="none" rtlCol="0">
+            <a:spAutoFit/>
+          </a:bodyPr>
+          <a:lstStyle/>
+          <a:p>
+            <a:r>
+              <a:rPr lang="nl-NL" sz="900" dirty="0" smtClean="0"/>
+              <a:t>1-n</a:t>
+            </a:r>
+            <a:endParaRPr lang="nl-NL" sz="900" dirty="0" smtClean="0"/>
+          </a:p>
+          <a:p>
+            <a:r>
+              <a:rPr lang="nl-NL" sz="900" dirty="0" smtClean="0"/>
+              <a:t>PA</a:t>
+            </a:r>
+          </a:p>
+        </p:txBody>
+      </p:sp>
+      <p:sp>
+        <p:nvSpPr>
+          <p:cNvPr id="95" name="Tekstvak 94"/>
+          <p:cNvSpPr txBox="1"/>
+          <p:nvPr/>
+        </p:nvSpPr>
+        <p:spPr>
+          <a:xfrm>
+            <a:off x="8340641" y="2542652"/>
+            <a:ext cx="335348" cy="369332"/>
+          </a:xfrm>
+          <a:prstGeom prst="rect">
+            <a:avLst/>
+          </a:prstGeom>
+          <a:noFill/>
+        </p:spPr>
+        <p:txBody>
+          <a:bodyPr wrap="none" rtlCol="0">
+            <a:spAutoFit/>
+          </a:bodyPr>
+          <a:lstStyle/>
+          <a:p>
+            <a:r>
+              <a:rPr lang="nl-NL" sz="900" dirty="0" smtClean="0"/>
+              <a:t>0-1</a:t>
+            </a:r>
+            <a:endParaRPr lang="nl-NL" sz="900" dirty="0" smtClean="0"/>
+          </a:p>
+          <a:p>
+            <a:r>
+              <a:rPr lang="nl-NL" sz="900" dirty="0" smtClean="0"/>
+              <a:t>PA</a:t>
+            </a:r>
+            <a:endParaRPr lang="nl-NL" sz="900" dirty="0"/>
+          </a:p>
+        </p:txBody>
+      </p:sp>
+      <p:sp>
+        <p:nvSpPr>
+          <p:cNvPr id="96" name="Tekstvak 95"/>
+          <p:cNvSpPr txBox="1"/>
+          <p:nvPr/>
+        </p:nvSpPr>
+        <p:spPr>
+          <a:xfrm>
+            <a:off x="8666342" y="2544770"/>
+            <a:ext cx="311304" cy="369332"/>
+          </a:xfrm>
+          <a:prstGeom prst="rect">
+            <a:avLst/>
+          </a:prstGeom>
+          <a:noFill/>
+        </p:spPr>
+        <p:txBody>
+          <a:bodyPr wrap="none" rtlCol="0">
+            <a:spAutoFit/>
+          </a:bodyPr>
+          <a:lstStyle/>
+          <a:p>
+            <a:r>
+              <a:rPr lang="nl-NL" sz="900" dirty="0" smtClean="0"/>
+              <a:t>1</a:t>
+            </a:r>
+          </a:p>
+          <a:p>
+            <a:r>
+              <a:rPr lang="nl-NL" sz="900" dirty="0" smtClean="0"/>
+              <a:t>PA</a:t>
+            </a:r>
+            <a:endParaRPr lang="nl-NL" sz="900" dirty="0"/>
+          </a:p>
+        </p:txBody>
+      </p:sp>
+      <p:sp>
+        <p:nvSpPr>
+          <p:cNvPr id="97" name="Tekstvak 96"/>
+          <p:cNvSpPr txBox="1"/>
+          <p:nvPr/>
+        </p:nvSpPr>
+        <p:spPr>
+          <a:xfrm>
+            <a:off x="6976650" y="3823282"/>
+            <a:ext cx="784189" cy="230832"/>
+          </a:xfrm>
+          <a:prstGeom prst="rect">
+            <a:avLst/>
+          </a:prstGeom>
+          <a:noFill/>
+        </p:spPr>
+        <p:txBody>
+          <a:bodyPr wrap="none" rtlCol="0">
+            <a:spAutoFit/>
+          </a:bodyPr>
+          <a:lstStyle/>
+          <a:p>
+            <a:r>
+              <a:rPr lang="nl-NL" sz="900" dirty="0" smtClean="0"/>
+              <a:t>range=String</a:t>
+            </a:r>
+            <a:endParaRPr lang="nl-NL" sz="900" dirty="0"/>
+          </a:p>
+        </p:txBody>
+      </p:sp>
+      <p:sp>
+        <p:nvSpPr>
+          <p:cNvPr id="98" name="Tekstvak 97"/>
+          <p:cNvSpPr txBox="1"/>
+          <p:nvPr/>
+        </p:nvSpPr>
+        <p:spPr>
+          <a:xfrm>
+            <a:off x="7957929" y="4612622"/>
+            <a:ext cx="896399" cy="230832"/>
+          </a:xfrm>
+          <a:prstGeom prst="rect">
+            <a:avLst/>
+          </a:prstGeom>
+          <a:noFill/>
+        </p:spPr>
+        <p:txBody>
+          <a:bodyPr wrap="none" rtlCol="0">
+            <a:spAutoFit/>
+          </a:bodyPr>
+          <a:lstStyle/>
+          <a:p>
+            <a:r>
+              <a:rPr lang="nl-NL" sz="900" dirty="0" smtClean="0"/>
+              <a:t>range=</a:t>
+            </a:r>
+            <a:r>
+              <a:rPr lang="nl-NL" sz="900" dirty="0" err="1" smtClean="0"/>
+              <a:t>Number</a:t>
+            </a:r>
+            <a:endParaRPr lang="nl-NL" sz="900" dirty="0"/>
+          </a:p>
+        </p:txBody>
+      </p:sp>
+      <p:sp>
+        <p:nvSpPr>
+          <p:cNvPr id="102" name="Ovaal 101"/>
+          <p:cNvSpPr/>
+          <p:nvPr/>
+        </p:nvSpPr>
+        <p:spPr>
+          <a:xfrm>
+            <a:off x="5765823" y="3442318"/>
+            <a:ext cx="180000" cy="180000"/>
+          </a:xfrm>
+          <a:prstGeom prst="ellipse">
+            <a:avLst/>
+          </a:prstGeom>
+          <a:noFill/>
+        </p:spPr>
+        <p:style>
+          <a:lnRef idx="2">
+            <a:schemeClr val="accent1">
+              <a:shade val="50000"/>
+            </a:schemeClr>
+          </a:lnRef>
+          <a:fillRef idx="1">
+            <a:schemeClr val="accent1"/>
+          </a:fillRef>
+          <a:effectRef idx="0">
+            <a:schemeClr val="accent1"/>
+          </a:effectRef>
+          <a:fontRef idx="minor">
+            <a:schemeClr val="lt1"/>
+          </a:fontRef>
+        </p:style>
+        <p:txBody>
+          <a:bodyPr rtlCol="0" anchor="ctr"/>
+          <a:lstStyle/>
+          <a:p>
+            <a:pPr algn="ctr"/>
+            <a:endParaRPr lang="nl-NL" sz="1400"/>
+          </a:p>
+        </p:txBody>
+      </p:sp>
+      <p:cxnSp>
+        <p:nvCxnSpPr>
+          <p:cNvPr id="103" name="Rechte verbindingslijn 102"/>
+          <p:cNvCxnSpPr>
+            <a:stCxn id="102" idx="2"/>
+            <a:endCxn id="10" idx="3"/>
+          </p:cNvCxnSpPr>
+          <p:nvPr/>
+        </p:nvCxnSpPr>
+        <p:spPr>
+          <a:xfrm flipH="1">
+            <a:off x="5675029" y="3532318"/>
+            <a:ext cx="90794" cy="1"/>
+          </a:xfrm>
+          <a:prstGeom prst="line">
+            <a:avLst/>
+          </a:prstGeom>
+        </p:spPr>
+        <p:style>
+          <a:lnRef idx="1">
+            <a:schemeClr val="accent1"/>
+          </a:lnRef>
+          <a:fillRef idx="0">
+            <a:schemeClr val="accent1"/>
+          </a:fillRef>
+          <a:effectRef idx="0">
+            <a:schemeClr val="accent1"/>
+          </a:effectRef>
+          <a:fontRef idx="minor">
+            <a:schemeClr val="tx1"/>
+          </a:fontRef>
+        </p:style>
+      </p:cxnSp>
+      <p:sp>
+        <p:nvSpPr>
+          <p:cNvPr id="106" name="Ovaal 105"/>
+          <p:cNvSpPr/>
+          <p:nvPr/>
+        </p:nvSpPr>
+        <p:spPr>
+          <a:xfrm>
+            <a:off x="6291680" y="3441070"/>
+            <a:ext cx="180000" cy="180000"/>
+          </a:xfrm>
+          <a:prstGeom prst="ellipse">
+            <a:avLst/>
+          </a:prstGeom>
+          <a:solidFill>
+            <a:schemeClr val="accent6">
+              <a:lumMod val="20000"/>
+              <a:lumOff val="80000"/>
+            </a:schemeClr>
+          </a:solidFill>
+        </p:spPr>
+        <p:style>
+          <a:lnRef idx="2">
+            <a:schemeClr val="accent1">
+              <a:shade val="50000"/>
+            </a:schemeClr>
+          </a:lnRef>
+          <a:fillRef idx="1">
+            <a:schemeClr val="accent1"/>
+          </a:fillRef>
+          <a:effectRef idx="0">
+            <a:schemeClr val="accent1"/>
+          </a:effectRef>
+          <a:fontRef idx="minor">
+            <a:schemeClr val="lt1"/>
+          </a:fontRef>
+        </p:style>
+        <p:txBody>
+          <a:bodyPr rtlCol="0" anchor="ctr"/>
+          <a:lstStyle/>
+          <a:p>
+            <a:pPr algn="ctr"/>
+            <a:endParaRPr lang="nl-NL" sz="1400"/>
+          </a:p>
+        </p:txBody>
+      </p:sp>
+      <p:sp>
+        <p:nvSpPr>
+          <p:cNvPr id="107" name="Rechthoek 106"/>
+          <p:cNvSpPr/>
+          <p:nvPr/>
+        </p:nvSpPr>
+        <p:spPr>
+          <a:xfrm>
+            <a:off x="4974116" y="4116906"/>
+            <a:ext cx="1696040" cy="371461"/>
+          </a:xfrm>
+          <a:prstGeom prst="rect">
+            <a:avLst/>
+          </a:prstGeom>
+          <a:noFill/>
+        </p:spPr>
+        <p:style>
+          <a:lnRef idx="2">
+            <a:schemeClr val="accent1">
+              <a:shade val="50000"/>
+            </a:schemeClr>
+          </a:lnRef>
+          <a:fillRef idx="1">
+            <a:schemeClr val="accent1"/>
+          </a:fillRef>
+          <a:effectRef idx="0">
+            <a:schemeClr val="accent1"/>
+          </a:effectRef>
+          <a:fontRef idx="minor">
+            <a:schemeClr val="lt1"/>
+          </a:fontRef>
+        </p:style>
+        <p:txBody>
+          <a:bodyPr rtlCol="0" anchor="t" anchorCtr="0"/>
+          <a:lstStyle/>
+          <a:p>
+            <a:pPr algn="ctr"/>
+            <a:r>
+              <a:rPr lang="nl-NL" sz="1200" dirty="0" err="1" smtClean="0">
+                <a:solidFill>
+                  <a:schemeClr val="tx1"/>
+                </a:solidFill>
+              </a:rPr>
+              <a:t>privatePropertyType</a:t>
+            </a:r>
+            <a:endParaRPr lang="nl-NL" sz="1200" dirty="0" smtClean="0">
+              <a:solidFill>
+                <a:schemeClr val="tx1"/>
+              </a:solidFill>
+            </a:endParaRPr>
+          </a:p>
+        </p:txBody>
+      </p:sp>
+      <p:sp>
+        <p:nvSpPr>
+          <p:cNvPr id="108" name="Ovaal 107"/>
+          <p:cNvSpPr/>
+          <p:nvPr/>
+        </p:nvSpPr>
+        <p:spPr>
+          <a:xfrm>
+            <a:off x="6760949" y="4212636"/>
+            <a:ext cx="180000" cy="180000"/>
+          </a:xfrm>
+          <a:prstGeom prst="ellipse">
+            <a:avLst/>
+          </a:prstGeom>
+          <a:noFill/>
+        </p:spPr>
+        <p:style>
+          <a:lnRef idx="2">
+            <a:schemeClr val="accent1">
+              <a:shade val="50000"/>
+            </a:schemeClr>
+          </a:lnRef>
+          <a:fillRef idx="1">
+            <a:schemeClr val="accent1"/>
+          </a:fillRef>
+          <a:effectRef idx="0">
+            <a:schemeClr val="accent1"/>
+          </a:effectRef>
+          <a:fontRef idx="minor">
+            <a:schemeClr val="lt1"/>
+          </a:fontRef>
+        </p:style>
+        <p:txBody>
+          <a:bodyPr rtlCol="0" anchor="ctr"/>
+          <a:lstStyle/>
+          <a:p>
+            <a:pPr algn="ctr"/>
+            <a:endParaRPr lang="nl-NL" sz="1400"/>
+          </a:p>
+        </p:txBody>
+      </p:sp>
+      <p:cxnSp>
+        <p:nvCxnSpPr>
+          <p:cNvPr id="109" name="Rechte verbindingslijn 108"/>
+          <p:cNvCxnSpPr>
+            <a:stCxn id="108" idx="2"/>
+            <a:endCxn id="107" idx="3"/>
+          </p:cNvCxnSpPr>
+          <p:nvPr/>
+        </p:nvCxnSpPr>
+        <p:spPr>
+          <a:xfrm flipH="1">
+            <a:off x="6670156" y="4302636"/>
+            <a:ext cx="90793" cy="1"/>
+          </a:xfrm>
+          <a:prstGeom prst="line">
+            <a:avLst/>
+          </a:prstGeom>
+        </p:spPr>
+        <p:style>
+          <a:lnRef idx="1">
+            <a:schemeClr val="accent1"/>
+          </a:lnRef>
+          <a:fillRef idx="0">
+            <a:schemeClr val="accent1"/>
+          </a:fillRef>
+          <a:effectRef idx="0">
+            <a:schemeClr val="accent1"/>
+          </a:effectRef>
+          <a:fontRef idx="minor">
+            <a:schemeClr val="tx1"/>
+          </a:fontRef>
+        </p:style>
+      </p:cxnSp>
+      <p:sp>
+        <p:nvSpPr>
+          <p:cNvPr id="110" name="Rechthoek 109"/>
+          <p:cNvSpPr/>
+          <p:nvPr/>
+        </p:nvSpPr>
+        <p:spPr>
+          <a:xfrm>
+            <a:off x="6020718" y="4887224"/>
+            <a:ext cx="1644564" cy="371461"/>
+          </a:xfrm>
+          <a:prstGeom prst="rect">
+            <a:avLst/>
+          </a:prstGeom>
+          <a:noFill/>
+        </p:spPr>
+        <p:style>
+          <a:lnRef idx="2">
+            <a:schemeClr val="accent1">
+              <a:shade val="50000"/>
+            </a:schemeClr>
+          </a:lnRef>
+          <a:fillRef idx="1">
+            <a:schemeClr val="accent1"/>
+          </a:fillRef>
+          <a:effectRef idx="0">
+            <a:schemeClr val="accent1"/>
+          </a:effectRef>
+          <a:fontRef idx="minor">
+            <a:schemeClr val="lt1"/>
+          </a:fontRef>
+        </p:style>
+        <p:txBody>
+          <a:bodyPr rtlCol="0" anchor="t" anchorCtr="0"/>
+          <a:lstStyle/>
+          <a:p>
+            <a:pPr algn="ctr"/>
+            <a:r>
+              <a:rPr lang="nl-NL" sz="1200" dirty="0" err="1" smtClean="0">
+                <a:solidFill>
+                  <a:schemeClr val="tx1"/>
+                </a:solidFill>
+              </a:rPr>
+              <a:t>publicPropertyType</a:t>
+            </a:r>
+            <a:endParaRPr lang="nl-NL" sz="1200" dirty="0" smtClean="0">
+              <a:solidFill>
+                <a:schemeClr val="tx1"/>
+              </a:solidFill>
+            </a:endParaRPr>
+          </a:p>
+        </p:txBody>
+      </p:sp>
+      <p:sp>
+        <p:nvSpPr>
+          <p:cNvPr id="111" name="Ovaal 110"/>
+          <p:cNvSpPr/>
+          <p:nvPr/>
+        </p:nvSpPr>
+        <p:spPr>
+          <a:xfrm>
+            <a:off x="7756075" y="4982954"/>
+            <a:ext cx="180000" cy="180000"/>
+          </a:xfrm>
+          <a:prstGeom prst="ellipse">
+            <a:avLst/>
+          </a:prstGeom>
+          <a:noFill/>
+        </p:spPr>
+        <p:style>
+          <a:lnRef idx="2">
+            <a:schemeClr val="accent1">
+              <a:shade val="50000"/>
+            </a:schemeClr>
+          </a:lnRef>
+          <a:fillRef idx="1">
+            <a:schemeClr val="accent1"/>
+          </a:fillRef>
+          <a:effectRef idx="0">
+            <a:schemeClr val="accent1"/>
+          </a:effectRef>
+          <a:fontRef idx="minor">
+            <a:schemeClr val="lt1"/>
+          </a:fontRef>
+        </p:style>
+        <p:txBody>
+          <a:bodyPr rtlCol="0" anchor="ctr"/>
+          <a:lstStyle/>
+          <a:p>
+            <a:pPr algn="ctr"/>
+            <a:endParaRPr lang="nl-NL" sz="1400"/>
+          </a:p>
+        </p:txBody>
+      </p:sp>
+      <p:cxnSp>
+        <p:nvCxnSpPr>
+          <p:cNvPr id="112" name="Rechte verbindingslijn 111"/>
+          <p:cNvCxnSpPr>
+            <a:stCxn id="111" idx="2"/>
+            <a:endCxn id="110" idx="3"/>
+          </p:cNvCxnSpPr>
+          <p:nvPr/>
+        </p:nvCxnSpPr>
+        <p:spPr>
+          <a:xfrm flipH="1">
+            <a:off x="7665282" y="5072954"/>
+            <a:ext cx="90793" cy="1"/>
+          </a:xfrm>
+          <a:prstGeom prst="line">
+            <a:avLst/>
+          </a:prstGeom>
+        </p:spPr>
+        <p:style>
+          <a:lnRef idx="1">
+            <a:schemeClr val="accent1"/>
+          </a:lnRef>
+          <a:fillRef idx="0">
+            <a:schemeClr val="accent1"/>
+          </a:fillRef>
+          <a:effectRef idx="0">
+            <a:schemeClr val="accent1"/>
+          </a:effectRef>
+          <a:fontRef idx="minor">
+            <a:schemeClr val="tx1"/>
+          </a:fontRef>
+        </p:style>
+      </p:cxnSp>
+      <p:sp>
+        <p:nvSpPr>
+          <p:cNvPr id="113" name="Ovaal 112"/>
+          <p:cNvSpPr/>
+          <p:nvPr/>
+        </p:nvSpPr>
+        <p:spPr>
+          <a:xfrm>
+            <a:off x="7233796" y="4212636"/>
+            <a:ext cx="180000" cy="180000"/>
+          </a:xfrm>
+          <a:prstGeom prst="ellipse">
+            <a:avLst/>
+          </a:prstGeom>
+          <a:solidFill>
+            <a:schemeClr val="accent6">
+              <a:lumMod val="20000"/>
+              <a:lumOff val="80000"/>
+            </a:schemeClr>
+          </a:solidFill>
+        </p:spPr>
+        <p:style>
+          <a:lnRef idx="2">
+            <a:schemeClr val="accent1">
+              <a:shade val="50000"/>
+            </a:schemeClr>
+          </a:lnRef>
+          <a:fillRef idx="1">
+            <a:schemeClr val="accent1"/>
+          </a:fillRef>
+          <a:effectRef idx="0">
+            <a:schemeClr val="accent1"/>
+          </a:effectRef>
+          <a:fontRef idx="minor">
+            <a:schemeClr val="lt1"/>
+          </a:fontRef>
+        </p:style>
+        <p:txBody>
+          <a:bodyPr rtlCol="0" anchor="ctr"/>
+          <a:lstStyle/>
+          <a:p>
+            <a:pPr algn="ctr"/>
+            <a:endParaRPr lang="nl-NL" sz="1400"/>
+          </a:p>
+        </p:txBody>
+      </p:sp>
+      <p:sp>
+        <p:nvSpPr>
+          <p:cNvPr id="114" name="Ovaal 113"/>
+          <p:cNvSpPr/>
+          <p:nvPr/>
+        </p:nvSpPr>
+        <p:spPr>
+          <a:xfrm>
+            <a:off x="8236502" y="4984202"/>
+            <a:ext cx="180000" cy="180000"/>
+          </a:xfrm>
+          <a:prstGeom prst="ellipse">
+            <a:avLst/>
+          </a:prstGeom>
+          <a:solidFill>
+            <a:schemeClr val="accent6">
+              <a:lumMod val="20000"/>
+              <a:lumOff val="80000"/>
+            </a:schemeClr>
+          </a:solidFill>
+        </p:spPr>
+        <p:style>
+          <a:lnRef idx="2">
+            <a:schemeClr val="accent1">
+              <a:shade val="50000"/>
+            </a:schemeClr>
+          </a:lnRef>
+          <a:fillRef idx="1">
+            <a:schemeClr val="accent1"/>
+          </a:fillRef>
+          <a:effectRef idx="0">
+            <a:schemeClr val="accent1"/>
+          </a:effectRef>
+          <a:fontRef idx="minor">
+            <a:schemeClr val="lt1"/>
+          </a:fontRef>
+        </p:style>
+        <p:txBody>
+          <a:bodyPr rtlCol="0" anchor="ctr"/>
+          <a:lstStyle/>
+          <a:p>
+            <a:pPr algn="ctr"/>
+            <a:endParaRPr lang="nl-NL" sz="1400"/>
+          </a:p>
+        </p:txBody>
+      </p:sp>
+      <p:cxnSp>
+        <p:nvCxnSpPr>
+          <p:cNvPr id="115" name="Rechte verbindingslijn met pijl 114"/>
+          <p:cNvCxnSpPr>
+            <a:stCxn id="102" idx="6"/>
+            <a:endCxn id="106" idx="2"/>
+          </p:cNvCxnSpPr>
+          <p:nvPr/>
+        </p:nvCxnSpPr>
+        <p:spPr>
+          <a:xfrm flipV="1">
+            <a:off x="5945823" y="3531070"/>
+            <a:ext cx="345857" cy="1248"/>
+          </a:xfrm>
+          <a:prstGeom prst="straightConnector1">
+            <a:avLst/>
+          </a:prstGeom>
+          <a:ln>
+            <a:tailEnd type="triangle"/>
+          </a:ln>
+        </p:spPr>
+        <p:style>
+          <a:lnRef idx="1">
+            <a:schemeClr val="accent1"/>
+          </a:lnRef>
+          <a:fillRef idx="0">
+            <a:schemeClr val="accent1"/>
+          </a:fillRef>
+          <a:effectRef idx="0">
+            <a:schemeClr val="accent1"/>
+          </a:effectRef>
+          <a:fontRef idx="minor">
+            <a:schemeClr val="tx1"/>
+          </a:fontRef>
+        </p:style>
+      </p:cxnSp>
+      <p:cxnSp>
+        <p:nvCxnSpPr>
+          <p:cNvPr id="118" name="Rechte verbindingslijn met pijl 117"/>
+          <p:cNvCxnSpPr>
+            <a:stCxn id="108" idx="6"/>
+            <a:endCxn id="113" idx="2"/>
+          </p:cNvCxnSpPr>
+          <p:nvPr/>
+        </p:nvCxnSpPr>
+        <p:spPr>
+          <a:xfrm>
+            <a:off x="6940949" y="4302636"/>
+            <a:ext cx="292847" cy="0"/>
+          </a:xfrm>
+          <a:prstGeom prst="straightConnector1">
+            <a:avLst/>
+          </a:prstGeom>
+          <a:ln>
+            <a:tailEnd type="triangle"/>
+          </a:ln>
+        </p:spPr>
+        <p:style>
+          <a:lnRef idx="1">
+            <a:schemeClr val="accent1"/>
+          </a:lnRef>
+          <a:fillRef idx="0">
+            <a:schemeClr val="accent1"/>
+          </a:fillRef>
+          <a:effectRef idx="0">
+            <a:schemeClr val="accent1"/>
+          </a:effectRef>
+          <a:fontRef idx="minor">
+            <a:schemeClr val="tx1"/>
+          </a:fontRef>
+        </p:style>
+      </p:cxnSp>
+      <p:cxnSp>
+        <p:nvCxnSpPr>
+          <p:cNvPr id="121" name="Rechte verbindingslijn met pijl 120"/>
+          <p:cNvCxnSpPr>
+            <a:stCxn id="111" idx="6"/>
+            <a:endCxn id="114" idx="2"/>
+          </p:cNvCxnSpPr>
+          <p:nvPr/>
+        </p:nvCxnSpPr>
+        <p:spPr>
+          <a:xfrm>
+            <a:off x="7936075" y="5072954"/>
+            <a:ext cx="300427" cy="1248"/>
+          </a:xfrm>
+          <a:prstGeom prst="straightConnector1">
+            <a:avLst/>
+          </a:prstGeom>
+          <a:ln>
+            <a:tailEnd type="triangle"/>
+          </a:ln>
+        </p:spPr>
+        <p:style>
+          <a:lnRef idx="1">
+            <a:schemeClr val="accent1"/>
+          </a:lnRef>
+          <a:fillRef idx="0">
+            <a:schemeClr val="accent1"/>
+          </a:fillRef>
+          <a:effectRef idx="0">
+            <a:schemeClr val="accent1"/>
+          </a:effectRef>
+          <a:fontRef idx="minor">
+            <a:schemeClr val="tx1"/>
+          </a:fontRef>
+        </p:style>
+      </p:cxnSp>
+      <p:cxnSp>
+        <p:nvCxnSpPr>
+          <p:cNvPr id="549" name="Rechte verbindingslijn met pijl 548"/>
+          <p:cNvCxnSpPr>
+            <a:stCxn id="80" idx="0"/>
+            <a:endCxn id="92" idx="4"/>
+          </p:cNvCxnSpPr>
+          <p:nvPr/>
+        </p:nvCxnSpPr>
+        <p:spPr>
+          <a:xfrm flipV="1">
+            <a:off x="7974593" y="3031269"/>
+            <a:ext cx="533722" cy="760403"/>
+          </a:xfrm>
+          <a:prstGeom prst="straightConnector1">
+            <a:avLst/>
+          </a:prstGeom>
+          <a:ln>
+            <a:tailEnd type="triangle"/>
+          </a:ln>
+        </p:spPr>
+        <p:style>
+          <a:lnRef idx="1">
+            <a:schemeClr val="accent1"/>
+          </a:lnRef>
+          <a:fillRef idx="0">
+            <a:schemeClr val="accent1"/>
+          </a:fillRef>
+          <a:effectRef idx="0">
+            <a:schemeClr val="accent1"/>
+          </a:effectRef>
+          <a:fontRef idx="minor">
+            <a:schemeClr val="tx1"/>
+          </a:fontRef>
+        </p:style>
+      </p:cxnSp>
+    </p:spTree>
+    <p:extLst>
+      <p:ext uri="{BB962C8B-B14F-4D97-AF65-F5344CB8AC3E}">
+        <p14:creationId xmlns:p14="http://schemas.microsoft.com/office/powerpoint/2010/main" val="136900608"/>
+      </p:ext>
+    </p:extLst>
+  </p:cSld>
+  <p:clrMapOvr>
+    <a:masterClrMapping/>
+  </p:clrMapOvr>
+</p:sld>
+</file>
+
+<file path=ppt/slides/slide19.xml><?xml version="1.0" encoding="utf-8"?>
+<p:sld xmlns:a="http://schemas.openxmlformats.org/drawingml/2006/main" xmlns:r="http://schemas.openxmlformats.org/officeDocument/2006/relationships" xmlns:p="http://schemas.openxmlformats.org/presentationml/2006/main">
+  <p:cSld>
+    <p:spTree>
+      <p:nvGrpSpPr>
+        <p:cNvPr id="1" name=""/>
+        <p:cNvGrpSpPr/>
+        <p:nvPr/>
+      </p:nvGrpSpPr>
+      <p:grpSpPr>
+        <a:xfrm>
+          <a:off x="0" y="0"/>
+          <a:ext cx="0" cy="0"/>
+          <a:chOff x="0" y="0"/>
+          <a:chExt cx="0" cy="0"/>
+        </a:xfrm>
+      </p:grpSpPr>
+      <p:sp>
+        <p:nvSpPr>
+          <p:cNvPr id="2" name="Ovaal 1"/>
+          <p:cNvSpPr/>
+          <p:nvPr/>
+        </p:nvSpPr>
+        <p:spPr>
+          <a:xfrm>
+            <a:off x="7855082" y="337864"/>
+            <a:ext cx="180000" cy="180000"/>
+          </a:xfrm>
+          <a:prstGeom prst="ellipse">
+            <a:avLst/>
+          </a:prstGeom>
+          <a:noFill/>
+        </p:spPr>
+        <p:style>
+          <a:lnRef idx="2">
+            <a:schemeClr val="accent1">
+              <a:shade val="50000"/>
+            </a:schemeClr>
+          </a:lnRef>
+          <a:fillRef idx="1">
+            <a:schemeClr val="accent1"/>
+          </a:fillRef>
+          <a:effectRef idx="0">
+            <a:schemeClr val="accent1"/>
+          </a:effectRef>
+          <a:fontRef idx="minor">
+            <a:schemeClr val="lt1"/>
+          </a:fontRef>
+        </p:style>
+        <p:txBody>
+          <a:bodyPr rtlCol="0" anchor="ctr"/>
+          <a:lstStyle/>
+          <a:p>
+            <a:pPr algn="ctr"/>
+            <a:endParaRPr lang="nl-NL" sz="1400"/>
+          </a:p>
+        </p:txBody>
+      </p:sp>
+      <p:cxnSp>
+        <p:nvCxnSpPr>
+          <p:cNvPr id="3" name="Rechte verbindingslijn 2"/>
+          <p:cNvCxnSpPr/>
+          <p:nvPr/>
+        </p:nvCxnSpPr>
+        <p:spPr>
+          <a:xfrm flipV="1">
+            <a:off x="7938920" y="517864"/>
+            <a:ext cx="6162" cy="181074"/>
+          </a:xfrm>
+          <a:prstGeom prst="line">
+            <a:avLst/>
+          </a:prstGeom>
+        </p:spPr>
+        <p:style>
+          <a:lnRef idx="1">
+            <a:schemeClr val="accent1"/>
+          </a:lnRef>
+          <a:fillRef idx="0">
+            <a:schemeClr val="accent1"/>
+          </a:fillRef>
+          <a:effectRef idx="0">
+            <a:schemeClr val="accent1"/>
+          </a:effectRef>
+          <a:fontRef idx="minor">
+            <a:schemeClr val="tx1"/>
+          </a:fontRef>
+        </p:style>
+      </p:cxnSp>
+      <p:sp>
+        <p:nvSpPr>
+          <p:cNvPr id="4" name="Rechthoek 3"/>
+          <p:cNvSpPr/>
+          <p:nvPr/>
+        </p:nvSpPr>
+        <p:spPr>
+          <a:xfrm>
+            <a:off x="4337968" y="1519520"/>
+            <a:ext cx="1452506" cy="294123"/>
+          </a:xfrm>
+          <a:prstGeom prst="rect">
+            <a:avLst/>
+          </a:prstGeom>
+          <a:noFill/>
+        </p:spPr>
+        <p:style>
+          <a:lnRef idx="2">
+            <a:schemeClr val="accent1">
+              <a:shade val="50000"/>
+            </a:schemeClr>
+          </a:lnRef>
+          <a:fillRef idx="1">
+            <a:schemeClr val="accent1"/>
+          </a:fillRef>
+          <a:effectRef idx="0">
+            <a:schemeClr val="accent1"/>
+          </a:effectRef>
+          <a:fontRef idx="minor">
+            <a:schemeClr val="lt1"/>
+          </a:fontRef>
+        </p:style>
+        <p:txBody>
+          <a:bodyPr rtlCol="0" anchor="t" anchorCtr="0"/>
+          <a:lstStyle/>
+          <a:p>
+            <a:pPr algn="ctr"/>
+            <a:r>
+              <a:rPr lang="nl-NL" sz="1200" dirty="0" smtClean="0">
+                <a:solidFill>
+                  <a:schemeClr val="tx1"/>
+                </a:solidFill>
+              </a:rPr>
+              <a:t>Betrouwbaarheid</a:t>
+            </a:r>
+            <a:endParaRPr lang="nl-NL" sz="1200" dirty="0" smtClean="0">
+              <a:solidFill>
+                <a:schemeClr val="tx1"/>
+              </a:solidFill>
+            </a:endParaRPr>
+          </a:p>
+        </p:txBody>
+      </p:sp>
+      <p:sp>
+        <p:nvSpPr>
+          <p:cNvPr id="5" name="Ovaal 4"/>
+          <p:cNvSpPr/>
+          <p:nvPr/>
+        </p:nvSpPr>
+        <p:spPr>
+          <a:xfrm>
+            <a:off x="4974221" y="1187672"/>
+            <a:ext cx="180000" cy="180000"/>
+          </a:xfrm>
+          <a:prstGeom prst="ellipse">
+            <a:avLst/>
+          </a:prstGeom>
+          <a:noFill/>
+        </p:spPr>
+        <p:style>
+          <a:lnRef idx="2">
+            <a:schemeClr val="accent1">
+              <a:shade val="50000"/>
+            </a:schemeClr>
+          </a:lnRef>
+          <a:fillRef idx="1">
+            <a:schemeClr val="accent1"/>
+          </a:fillRef>
+          <a:effectRef idx="0">
+            <a:schemeClr val="accent1"/>
+          </a:effectRef>
+          <a:fontRef idx="minor">
+            <a:schemeClr val="lt1"/>
+          </a:fontRef>
+        </p:style>
+        <p:txBody>
+          <a:bodyPr rtlCol="0" anchor="ctr"/>
+          <a:lstStyle/>
+          <a:p>
+            <a:pPr algn="ctr"/>
+            <a:endParaRPr lang="nl-NL" sz="1400"/>
+          </a:p>
+        </p:txBody>
+      </p:sp>
+      <p:cxnSp>
+        <p:nvCxnSpPr>
+          <p:cNvPr id="6" name="Rechte verbindingslijn 5"/>
+          <p:cNvCxnSpPr/>
+          <p:nvPr/>
+        </p:nvCxnSpPr>
+        <p:spPr>
+          <a:xfrm flipV="1">
+            <a:off x="5064221" y="1367672"/>
+            <a:ext cx="0" cy="151848"/>
+          </a:xfrm>
+          <a:prstGeom prst="line">
+            <a:avLst/>
+          </a:prstGeom>
+        </p:spPr>
+        <p:style>
+          <a:lnRef idx="1">
+            <a:schemeClr val="accent1"/>
+          </a:lnRef>
+          <a:fillRef idx="0">
+            <a:schemeClr val="accent1"/>
+          </a:fillRef>
+          <a:effectRef idx="0">
+            <a:schemeClr val="accent1"/>
+          </a:effectRef>
+          <a:fontRef idx="minor">
+            <a:schemeClr val="tx1"/>
+          </a:fontRef>
+        </p:style>
+      </p:cxnSp>
+      <p:sp>
+        <p:nvSpPr>
+          <p:cNvPr id="7" name="Rechthoek 6"/>
+          <p:cNvSpPr/>
+          <p:nvPr/>
+        </p:nvSpPr>
+        <p:spPr>
+          <a:xfrm>
+            <a:off x="4859516" y="2575251"/>
+            <a:ext cx="2240854" cy="621952"/>
+          </a:xfrm>
+          <a:prstGeom prst="rect">
+            <a:avLst/>
+          </a:prstGeom>
+          <a:noFill/>
+        </p:spPr>
+        <p:style>
+          <a:lnRef idx="2">
+            <a:schemeClr val="accent1">
+              <a:shade val="50000"/>
+            </a:schemeClr>
+          </a:lnRef>
+          <a:fillRef idx="1">
+            <a:schemeClr val="accent1"/>
+          </a:fillRef>
+          <a:effectRef idx="0">
+            <a:schemeClr val="accent1"/>
+          </a:effectRef>
+          <a:fontRef idx="minor">
+            <a:schemeClr val="lt1"/>
+          </a:fontRef>
+        </p:style>
+        <p:txBody>
+          <a:bodyPr rtlCol="0" anchor="t" anchorCtr="0"/>
+          <a:lstStyle/>
+          <a:p>
+            <a:pPr algn="ctr"/>
+            <a:r>
+              <a:rPr lang="nl-NL" sz="1200" dirty="0" err="1" smtClean="0">
+                <a:solidFill>
+                  <a:schemeClr val="tx1"/>
+                </a:solidFill>
+              </a:rPr>
+              <a:t>AangeverBetrouwbaarheid</a:t>
+            </a:r>
+            <a:endParaRPr lang="nl-NL" sz="1200" dirty="0" smtClean="0">
+              <a:solidFill>
+                <a:schemeClr val="tx1"/>
+              </a:solidFill>
+            </a:endParaRPr>
+          </a:p>
+        </p:txBody>
+      </p:sp>
+      <p:sp>
+        <p:nvSpPr>
+          <p:cNvPr id="8" name="Ovaal 7"/>
+          <p:cNvSpPr/>
+          <p:nvPr/>
+        </p:nvSpPr>
+        <p:spPr>
+          <a:xfrm>
+            <a:off x="5889943" y="2231250"/>
+            <a:ext cx="180000" cy="180000"/>
+          </a:xfrm>
+          <a:prstGeom prst="ellipse">
+            <a:avLst/>
+          </a:prstGeom>
+          <a:noFill/>
+        </p:spPr>
+        <p:style>
+          <a:lnRef idx="2">
+            <a:schemeClr val="accent1">
+              <a:shade val="50000"/>
+            </a:schemeClr>
+          </a:lnRef>
+          <a:fillRef idx="1">
+            <a:schemeClr val="accent1"/>
+          </a:fillRef>
+          <a:effectRef idx="0">
+            <a:schemeClr val="accent1"/>
+          </a:effectRef>
+          <a:fontRef idx="minor">
+            <a:schemeClr val="lt1"/>
+          </a:fontRef>
+        </p:style>
+        <p:txBody>
+          <a:bodyPr rtlCol="0" anchor="ctr"/>
+          <a:lstStyle/>
+          <a:p>
+            <a:pPr algn="ctr"/>
+            <a:endParaRPr lang="nl-NL" sz="1400"/>
+          </a:p>
+        </p:txBody>
+      </p:sp>
+      <p:cxnSp>
+        <p:nvCxnSpPr>
+          <p:cNvPr id="9" name="Rechte verbindingslijn 8"/>
+          <p:cNvCxnSpPr>
+            <a:stCxn id="7" idx="0"/>
+            <a:endCxn id="8" idx="4"/>
+          </p:cNvCxnSpPr>
+          <p:nvPr/>
+        </p:nvCxnSpPr>
+        <p:spPr>
+          <a:xfrm flipV="1">
+            <a:off x="5979943" y="2411250"/>
+            <a:ext cx="0" cy="164001"/>
+          </a:xfrm>
+          <a:prstGeom prst="line">
+            <a:avLst/>
+          </a:prstGeom>
+        </p:spPr>
+        <p:style>
+          <a:lnRef idx="1">
+            <a:schemeClr val="accent1"/>
+          </a:lnRef>
+          <a:fillRef idx="0">
+            <a:schemeClr val="accent1"/>
+          </a:fillRef>
+          <a:effectRef idx="0">
+            <a:schemeClr val="accent1"/>
+          </a:effectRef>
+          <a:fontRef idx="minor">
+            <a:schemeClr val="tx1"/>
+          </a:fontRef>
+        </p:style>
+      </p:cxnSp>
+      <p:cxnSp>
+        <p:nvCxnSpPr>
+          <p:cNvPr id="10" name="Rechte verbindingslijn met pijl 9"/>
+          <p:cNvCxnSpPr>
+            <a:stCxn id="5" idx="6"/>
+            <a:endCxn id="13" idx="2"/>
+          </p:cNvCxnSpPr>
+          <p:nvPr/>
+        </p:nvCxnSpPr>
+        <p:spPr>
+          <a:xfrm flipV="1">
+            <a:off x="5154221" y="1277585"/>
+            <a:ext cx="2371569" cy="87"/>
+          </a:xfrm>
+          <a:prstGeom prst="straightConnector1">
+            <a:avLst/>
+          </a:prstGeom>
+          <a:ln>
+            <a:tailEnd type="triangle"/>
+          </a:ln>
+        </p:spPr>
+        <p:style>
+          <a:lnRef idx="1">
+            <a:schemeClr val="accent1"/>
+          </a:lnRef>
+          <a:fillRef idx="0">
+            <a:schemeClr val="accent1"/>
+          </a:fillRef>
+          <a:effectRef idx="0">
+            <a:schemeClr val="accent1"/>
+          </a:effectRef>
+          <a:fontRef idx="minor">
+            <a:schemeClr val="tx1"/>
+          </a:fontRef>
+        </p:style>
+      </p:cxnSp>
+      <p:cxnSp>
+        <p:nvCxnSpPr>
+          <p:cNvPr id="11" name="Rechte verbindingslijn met pijl 10"/>
+          <p:cNvCxnSpPr>
+            <a:stCxn id="8" idx="7"/>
+            <a:endCxn id="14" idx="2"/>
+          </p:cNvCxnSpPr>
+          <p:nvPr/>
+        </p:nvCxnSpPr>
+        <p:spPr>
+          <a:xfrm flipV="1">
+            <a:off x="6043583" y="1547497"/>
+            <a:ext cx="1482207" cy="710113"/>
+          </a:xfrm>
+          <a:prstGeom prst="straightConnector1">
+            <a:avLst/>
+          </a:prstGeom>
+          <a:ln>
+            <a:tailEnd type="triangle"/>
+          </a:ln>
+        </p:spPr>
+        <p:style>
+          <a:lnRef idx="1">
+            <a:schemeClr val="accent1"/>
+          </a:lnRef>
+          <a:fillRef idx="0">
+            <a:schemeClr val="accent1"/>
+          </a:fillRef>
+          <a:effectRef idx="0">
+            <a:schemeClr val="accent1"/>
+          </a:effectRef>
+          <a:fontRef idx="minor">
+            <a:schemeClr val="tx1"/>
+          </a:fontRef>
+        </p:style>
+      </p:cxnSp>
+      <p:sp>
+        <p:nvSpPr>
+          <p:cNvPr id="12" name="Rechthoek 11"/>
+          <p:cNvSpPr/>
+          <p:nvPr/>
+        </p:nvSpPr>
+        <p:spPr>
+          <a:xfrm>
+            <a:off x="7143472" y="698937"/>
+            <a:ext cx="1815090" cy="1489215"/>
+          </a:xfrm>
+          <a:prstGeom prst="rect">
+            <a:avLst/>
+          </a:prstGeom>
+          <a:noFill/>
+        </p:spPr>
+        <p:style>
+          <a:lnRef idx="2">
+            <a:schemeClr val="accent1">
+              <a:shade val="50000"/>
+            </a:schemeClr>
+          </a:lnRef>
+          <a:fillRef idx="1">
+            <a:schemeClr val="accent1"/>
+          </a:fillRef>
+          <a:effectRef idx="0">
+            <a:schemeClr val="accent1"/>
+          </a:effectRef>
+          <a:fontRef idx="minor">
+            <a:schemeClr val="lt1"/>
+          </a:fontRef>
+        </p:style>
+        <p:txBody>
+          <a:bodyPr rtlCol="0" anchor="t" anchorCtr="0"/>
+          <a:lstStyle/>
+          <a:p>
+            <a:pPr algn="ctr"/>
+            <a:r>
+              <a:rPr lang="nl-NL" sz="1200" dirty="0" smtClean="0">
+                <a:solidFill>
+                  <a:schemeClr val="tx1"/>
+                </a:solidFill>
+              </a:rPr>
+              <a:t>Aangever</a:t>
+            </a:r>
+            <a:endParaRPr lang="nl-NL" sz="1200" dirty="0" smtClean="0">
+              <a:solidFill>
+                <a:schemeClr val="tx1"/>
+              </a:solidFill>
+            </a:endParaRPr>
+          </a:p>
+        </p:txBody>
+      </p:sp>
+      <p:sp>
+        <p:nvSpPr>
+          <p:cNvPr id="13" name="Ovaal 12"/>
+          <p:cNvSpPr/>
+          <p:nvPr/>
+        </p:nvSpPr>
+        <p:spPr>
+          <a:xfrm>
+            <a:off x="7525790" y="1187585"/>
+            <a:ext cx="180000" cy="180000"/>
+          </a:xfrm>
+          <a:prstGeom prst="ellipse">
+            <a:avLst/>
+          </a:prstGeom>
+          <a:noFill/>
+        </p:spPr>
+        <p:style>
+          <a:lnRef idx="2">
+            <a:schemeClr val="accent1">
+              <a:shade val="50000"/>
+            </a:schemeClr>
+          </a:lnRef>
+          <a:fillRef idx="1">
+            <a:schemeClr val="accent1"/>
+          </a:fillRef>
+          <a:effectRef idx="0">
+            <a:schemeClr val="accent1"/>
+          </a:effectRef>
+          <a:fontRef idx="minor">
+            <a:schemeClr val="lt1"/>
+          </a:fontRef>
+        </p:style>
+        <p:txBody>
+          <a:bodyPr rtlCol="0" anchor="ctr"/>
+          <a:lstStyle/>
+          <a:p>
+            <a:pPr algn="ctr"/>
+            <a:endParaRPr lang="nl-NL" sz="1400"/>
+          </a:p>
+        </p:txBody>
+      </p:sp>
+      <p:sp>
+        <p:nvSpPr>
+          <p:cNvPr id="14" name="Ovaal 13"/>
+          <p:cNvSpPr/>
+          <p:nvPr/>
+        </p:nvSpPr>
+        <p:spPr>
+          <a:xfrm>
+            <a:off x="7525790" y="1457497"/>
+            <a:ext cx="180000" cy="180000"/>
+          </a:xfrm>
+          <a:prstGeom prst="ellipse">
+            <a:avLst/>
+          </a:prstGeom>
+          <a:noFill/>
+        </p:spPr>
+        <p:style>
+          <a:lnRef idx="2">
+            <a:schemeClr val="accent1">
+              <a:shade val="50000"/>
+            </a:schemeClr>
+          </a:lnRef>
+          <a:fillRef idx="1">
+            <a:schemeClr val="accent1"/>
+          </a:fillRef>
+          <a:effectRef idx="0">
+            <a:schemeClr val="accent1"/>
+          </a:effectRef>
+          <a:fontRef idx="minor">
+            <a:schemeClr val="lt1"/>
+          </a:fontRef>
+        </p:style>
+        <p:txBody>
+          <a:bodyPr rtlCol="0" anchor="ctr"/>
+          <a:lstStyle/>
+          <a:p>
+            <a:pPr algn="ctr"/>
+            <a:endParaRPr lang="nl-NL" sz="1400"/>
+          </a:p>
+        </p:txBody>
+      </p:sp>
+      <p:sp>
+        <p:nvSpPr>
+          <p:cNvPr id="15" name="Ovaal 14"/>
+          <p:cNvSpPr/>
+          <p:nvPr/>
+        </p:nvSpPr>
+        <p:spPr>
+          <a:xfrm>
+            <a:off x="7525790" y="1770617"/>
+            <a:ext cx="180000" cy="180000"/>
+          </a:xfrm>
+          <a:prstGeom prst="ellipse">
+            <a:avLst/>
+          </a:prstGeom>
+          <a:noFill/>
+        </p:spPr>
+        <p:style>
+          <a:lnRef idx="2">
+            <a:schemeClr val="accent1">
+              <a:shade val="50000"/>
+            </a:schemeClr>
+          </a:lnRef>
+          <a:fillRef idx="1">
+            <a:schemeClr val="accent1"/>
+          </a:fillRef>
+          <a:effectRef idx="0">
+            <a:schemeClr val="accent1"/>
+          </a:effectRef>
+          <a:fontRef idx="minor">
+            <a:schemeClr val="lt1"/>
+          </a:fontRef>
+        </p:style>
+        <p:txBody>
+          <a:bodyPr rtlCol="0" anchor="ctr"/>
+          <a:lstStyle/>
+          <a:p>
+            <a:pPr algn="ctr"/>
+            <a:endParaRPr lang="nl-NL" sz="1400"/>
+          </a:p>
+        </p:txBody>
+      </p:sp>
+      <p:sp>
+        <p:nvSpPr>
+          <p:cNvPr id="16" name="Tekstvak 15"/>
+          <p:cNvSpPr txBox="1"/>
+          <p:nvPr/>
+        </p:nvSpPr>
+        <p:spPr>
+          <a:xfrm>
+            <a:off x="7174501" y="985608"/>
+            <a:ext cx="311304" cy="369332"/>
+          </a:xfrm>
+          <a:prstGeom prst="rect">
+            <a:avLst/>
+          </a:prstGeom>
+          <a:noFill/>
+        </p:spPr>
+        <p:txBody>
+          <a:bodyPr wrap="none" rtlCol="0">
+            <a:spAutoFit/>
+          </a:bodyPr>
+          <a:lstStyle/>
+          <a:p>
+            <a:r>
+              <a:rPr lang="nl-NL" sz="900" dirty="0" smtClean="0"/>
+              <a:t>1</a:t>
+            </a:r>
+            <a:endParaRPr lang="nl-NL" sz="900" dirty="0" smtClean="0"/>
+          </a:p>
+          <a:p>
+            <a:r>
+              <a:rPr lang="nl-NL" sz="900" dirty="0" smtClean="0"/>
+              <a:t>PA</a:t>
+            </a:r>
+            <a:endParaRPr lang="nl-NL" sz="900" dirty="0" smtClean="0"/>
+          </a:p>
+        </p:txBody>
+      </p:sp>
+      <p:sp>
+        <p:nvSpPr>
+          <p:cNvPr id="17" name="Tekstvak 16"/>
+          <p:cNvSpPr txBox="1"/>
+          <p:nvPr/>
+        </p:nvSpPr>
+        <p:spPr>
+          <a:xfrm>
+            <a:off x="7166957" y="1313654"/>
+            <a:ext cx="335348" cy="369332"/>
+          </a:xfrm>
+          <a:prstGeom prst="rect">
+            <a:avLst/>
+          </a:prstGeom>
+          <a:noFill/>
+        </p:spPr>
+        <p:txBody>
+          <a:bodyPr wrap="none" rtlCol="0">
+            <a:spAutoFit/>
+          </a:bodyPr>
+          <a:lstStyle/>
+          <a:p>
+            <a:r>
+              <a:rPr lang="nl-NL" sz="900" dirty="0" smtClean="0"/>
+              <a:t>0-1</a:t>
+            </a:r>
+            <a:endParaRPr lang="nl-NL" sz="900" dirty="0" smtClean="0"/>
+          </a:p>
+          <a:p>
+            <a:r>
+              <a:rPr lang="nl-NL" sz="900" dirty="0" smtClean="0"/>
+              <a:t>TD</a:t>
+            </a:r>
+            <a:endParaRPr lang="nl-NL" sz="900" dirty="0"/>
+          </a:p>
+        </p:txBody>
+      </p:sp>
+      <p:sp>
+        <p:nvSpPr>
+          <p:cNvPr id="19" name="Rechthoek 18"/>
+          <p:cNvSpPr/>
+          <p:nvPr/>
+        </p:nvSpPr>
+        <p:spPr>
+          <a:xfrm>
+            <a:off x="7502305" y="2575339"/>
+            <a:ext cx="1452506" cy="371461"/>
+          </a:xfrm>
+          <a:prstGeom prst="rect">
+            <a:avLst/>
+          </a:prstGeom>
+          <a:noFill/>
+        </p:spPr>
+        <p:style>
+          <a:lnRef idx="2">
+            <a:schemeClr val="accent1">
+              <a:shade val="50000"/>
+            </a:schemeClr>
+          </a:lnRef>
+          <a:fillRef idx="1">
+            <a:schemeClr val="accent1"/>
+          </a:fillRef>
+          <a:effectRef idx="0">
+            <a:schemeClr val="accent1"/>
+          </a:effectRef>
+          <a:fontRef idx="minor">
+            <a:schemeClr val="lt1"/>
+          </a:fontRef>
+        </p:style>
+        <p:txBody>
+          <a:bodyPr rtlCol="0" anchor="t" anchorCtr="0"/>
+          <a:lstStyle/>
+          <a:p>
+            <a:pPr algn="ctr"/>
+            <a:r>
+              <a:rPr lang="nl-NL" sz="1200" dirty="0" smtClean="0">
+                <a:solidFill>
+                  <a:schemeClr val="tx1"/>
+                </a:solidFill>
+              </a:rPr>
+              <a:t>Gebruiker</a:t>
+            </a:r>
+            <a:endParaRPr lang="nl-NL" sz="1200" dirty="0" smtClean="0">
+              <a:solidFill>
+                <a:schemeClr val="tx1"/>
+              </a:solidFill>
+            </a:endParaRPr>
+          </a:p>
+        </p:txBody>
+      </p:sp>
+      <p:sp>
+        <p:nvSpPr>
+          <p:cNvPr id="20" name="Ovaal 19"/>
+          <p:cNvSpPr/>
+          <p:nvPr/>
+        </p:nvSpPr>
+        <p:spPr>
+          <a:xfrm>
+            <a:off x="8138558" y="2264304"/>
+            <a:ext cx="180000" cy="180000"/>
+          </a:xfrm>
+          <a:prstGeom prst="ellipse">
+            <a:avLst/>
+          </a:prstGeom>
+          <a:noFill/>
+        </p:spPr>
+        <p:style>
+          <a:lnRef idx="2">
+            <a:schemeClr val="accent1">
+              <a:shade val="50000"/>
+            </a:schemeClr>
+          </a:lnRef>
+          <a:fillRef idx="1">
+            <a:schemeClr val="accent1"/>
+          </a:fillRef>
+          <a:effectRef idx="0">
+            <a:schemeClr val="accent1"/>
+          </a:effectRef>
+          <a:fontRef idx="minor">
+            <a:schemeClr val="lt1"/>
+          </a:fontRef>
+        </p:style>
+        <p:txBody>
+          <a:bodyPr rtlCol="0" anchor="ctr"/>
+          <a:lstStyle/>
+          <a:p>
+            <a:pPr algn="ctr"/>
+            <a:endParaRPr lang="nl-NL" sz="1400"/>
+          </a:p>
+        </p:txBody>
+      </p:sp>
+      <p:cxnSp>
+        <p:nvCxnSpPr>
+          <p:cNvPr id="22" name="Rechte verbindingslijn met pijl 21"/>
+          <p:cNvCxnSpPr>
+            <a:stCxn id="20" idx="1"/>
+            <a:endCxn id="15" idx="5"/>
+          </p:cNvCxnSpPr>
+          <p:nvPr/>
+        </p:nvCxnSpPr>
+        <p:spPr>
+          <a:xfrm flipH="1" flipV="1">
+            <a:off x="7679430" y="1924257"/>
+            <a:ext cx="485488" cy="366407"/>
+          </a:xfrm>
+          <a:prstGeom prst="straightConnector1">
+            <a:avLst/>
+          </a:prstGeom>
+          <a:ln>
+            <a:tailEnd type="triangle"/>
+          </a:ln>
+        </p:spPr>
+        <p:style>
+          <a:lnRef idx="1">
+            <a:schemeClr val="accent1"/>
+          </a:lnRef>
+          <a:fillRef idx="0">
+            <a:schemeClr val="accent1"/>
+          </a:fillRef>
+          <a:effectRef idx="0">
+            <a:schemeClr val="accent1"/>
+          </a:effectRef>
+          <a:fontRef idx="minor">
+            <a:schemeClr val="tx1"/>
+          </a:fontRef>
+        </p:style>
+      </p:cxnSp>
+      <p:cxnSp>
+        <p:nvCxnSpPr>
+          <p:cNvPr id="23" name="Rechte verbindingslijn 22"/>
+          <p:cNvCxnSpPr>
+            <a:endCxn id="20" idx="4"/>
+          </p:cNvCxnSpPr>
+          <p:nvPr/>
+        </p:nvCxnSpPr>
+        <p:spPr>
+          <a:xfrm flipV="1">
+            <a:off x="8228558" y="2444304"/>
+            <a:ext cx="0" cy="136766"/>
+          </a:xfrm>
+          <a:prstGeom prst="line">
+            <a:avLst/>
+          </a:prstGeom>
+        </p:spPr>
+        <p:style>
+          <a:lnRef idx="1">
+            <a:schemeClr val="accent1"/>
+          </a:lnRef>
+          <a:fillRef idx="0">
+            <a:schemeClr val="accent1"/>
+          </a:fillRef>
+          <a:effectRef idx="0">
+            <a:schemeClr val="accent1"/>
+          </a:effectRef>
+          <a:fontRef idx="minor">
+            <a:schemeClr val="tx1"/>
+          </a:fontRef>
+        </p:style>
+      </p:cxnSp>
+      <p:sp>
+        <p:nvSpPr>
+          <p:cNvPr id="35" name="Tekstvak 34"/>
+          <p:cNvSpPr txBox="1"/>
+          <p:nvPr/>
+        </p:nvSpPr>
+        <p:spPr>
+          <a:xfrm>
+            <a:off x="7686128" y="1124108"/>
+            <a:ext cx="893193" cy="246221"/>
+          </a:xfrm>
+          <a:prstGeom prst="rect">
+            <a:avLst/>
+          </a:prstGeom>
+          <a:noFill/>
+        </p:spPr>
+        <p:txBody>
+          <a:bodyPr wrap="none" rtlCol="0">
+            <a:spAutoFit/>
+          </a:bodyPr>
+          <a:lstStyle/>
+          <a:p>
+            <a:r>
+              <a:rPr lang="nl-NL" sz="1000" dirty="0" err="1"/>
+              <a:t>p</a:t>
+            </a:r>
+            <a:r>
+              <a:rPr lang="nl-NL" sz="1000" dirty="0" err="1" smtClean="0"/>
+              <a:t>ropertyType</a:t>
+            </a:r>
+            <a:endParaRPr lang="nl-NL" sz="1000" dirty="0"/>
+          </a:p>
+        </p:txBody>
+      </p:sp>
+      <p:sp>
+        <p:nvSpPr>
+          <p:cNvPr id="36" name="Tekstvak 35"/>
+          <p:cNvSpPr txBox="1"/>
+          <p:nvPr/>
+        </p:nvSpPr>
+        <p:spPr>
+          <a:xfrm>
+            <a:off x="7686127" y="1391276"/>
+            <a:ext cx="1226618" cy="246221"/>
+          </a:xfrm>
+          <a:prstGeom prst="rect">
+            <a:avLst/>
+          </a:prstGeom>
+          <a:noFill/>
+        </p:spPr>
+        <p:txBody>
+          <a:bodyPr wrap="none" rtlCol="0">
+            <a:spAutoFit/>
+          </a:bodyPr>
+          <a:lstStyle/>
+          <a:p>
+            <a:r>
+              <a:rPr lang="nl-NL" sz="1000" dirty="0" err="1" smtClean="0"/>
+              <a:t>propertyPerspectief</a:t>
+            </a:r>
+            <a:endParaRPr lang="nl-NL" sz="1000" dirty="0"/>
+          </a:p>
+        </p:txBody>
+      </p:sp>
+      <p:sp>
+        <p:nvSpPr>
+          <p:cNvPr id="37" name="Tekstvak 36"/>
+          <p:cNvSpPr txBox="1"/>
+          <p:nvPr/>
+        </p:nvSpPr>
+        <p:spPr>
+          <a:xfrm>
+            <a:off x="7700599" y="1704396"/>
+            <a:ext cx="1080745" cy="246221"/>
+          </a:xfrm>
+          <a:prstGeom prst="rect">
+            <a:avLst/>
+          </a:prstGeom>
+          <a:noFill/>
+        </p:spPr>
+        <p:txBody>
+          <a:bodyPr wrap="none" rtlCol="0">
+            <a:spAutoFit/>
+          </a:bodyPr>
+          <a:lstStyle/>
+          <a:p>
+            <a:r>
+              <a:rPr lang="nl-NL" sz="1000" dirty="0" err="1" smtClean="0"/>
+              <a:t>mogelijkeBinding</a:t>
+            </a:r>
+            <a:endParaRPr lang="nl-NL" sz="1000" dirty="0"/>
+          </a:p>
+        </p:txBody>
+      </p:sp>
+      <p:sp>
+        <p:nvSpPr>
+          <p:cNvPr id="41" name="Tekstvak 40"/>
+          <p:cNvSpPr txBox="1"/>
+          <p:nvPr/>
+        </p:nvSpPr>
+        <p:spPr>
+          <a:xfrm>
+            <a:off x="5985330" y="2243524"/>
+            <a:ext cx="914033" cy="230832"/>
+          </a:xfrm>
+          <a:prstGeom prst="rect">
+            <a:avLst/>
+          </a:prstGeom>
+          <a:noFill/>
+        </p:spPr>
+        <p:txBody>
+          <a:bodyPr wrap="none" rtlCol="0">
+            <a:spAutoFit/>
+          </a:bodyPr>
+          <a:lstStyle/>
+          <a:p>
+            <a:r>
+              <a:rPr lang="nl-NL" sz="900" dirty="0" smtClean="0"/>
+              <a:t>Volgnummer=1</a:t>
+            </a:r>
+            <a:endParaRPr lang="nl-NL" sz="900" dirty="0" smtClean="0"/>
+          </a:p>
+        </p:txBody>
+      </p:sp>
+      <p:sp>
+        <p:nvSpPr>
+          <p:cNvPr id="43" name="Ovaal 42"/>
+          <p:cNvSpPr/>
+          <p:nvPr/>
+        </p:nvSpPr>
+        <p:spPr>
+          <a:xfrm>
+            <a:off x="4974221" y="2928518"/>
+            <a:ext cx="180000" cy="180000"/>
+          </a:xfrm>
+          <a:prstGeom prst="ellipse">
+            <a:avLst/>
+          </a:prstGeom>
+          <a:noFill/>
+        </p:spPr>
+        <p:style>
+          <a:lnRef idx="2">
+            <a:schemeClr val="accent1">
+              <a:shade val="50000"/>
+            </a:schemeClr>
+          </a:lnRef>
+          <a:fillRef idx="1">
+            <a:schemeClr val="accent1"/>
+          </a:fillRef>
+          <a:effectRef idx="0">
+            <a:schemeClr val="accent1"/>
+          </a:effectRef>
+          <a:fontRef idx="minor">
+            <a:schemeClr val="lt1"/>
+          </a:fontRef>
+        </p:style>
+        <p:txBody>
+          <a:bodyPr rtlCol="0" anchor="ctr"/>
+          <a:lstStyle/>
+          <a:p>
+            <a:pPr algn="ctr"/>
+            <a:endParaRPr lang="nl-NL" sz="1400"/>
+          </a:p>
+        </p:txBody>
+      </p:sp>
+      <p:sp>
+        <p:nvSpPr>
+          <p:cNvPr id="44" name="Tekstvak 43"/>
+          <p:cNvSpPr txBox="1"/>
+          <p:nvPr/>
+        </p:nvSpPr>
+        <p:spPr>
+          <a:xfrm>
+            <a:off x="5154221" y="2897194"/>
+            <a:ext cx="1189749" cy="246221"/>
+          </a:xfrm>
+          <a:prstGeom prst="rect">
+            <a:avLst/>
+          </a:prstGeom>
+          <a:noFill/>
+        </p:spPr>
+        <p:txBody>
+          <a:bodyPr wrap="none" rtlCol="0">
+            <a:spAutoFit/>
+          </a:bodyPr>
+          <a:lstStyle/>
+          <a:p>
+            <a:r>
+              <a:rPr lang="nl-NL" sz="1000" dirty="0" err="1" smtClean="0"/>
+              <a:t>propertyReferentie</a:t>
+            </a:r>
+            <a:endParaRPr lang="nl-NL" sz="1000" dirty="0"/>
+          </a:p>
+        </p:txBody>
+      </p:sp>
+      <p:cxnSp>
+        <p:nvCxnSpPr>
+          <p:cNvPr id="49" name="Gebogen verbindingslijn 48"/>
+          <p:cNvCxnSpPr>
+            <a:stCxn id="5" idx="2"/>
+            <a:endCxn id="43" idx="2"/>
+          </p:cNvCxnSpPr>
+          <p:nvPr/>
+        </p:nvCxnSpPr>
+        <p:spPr>
+          <a:xfrm rot="10800000" flipV="1">
+            <a:off x="4974221" y="1277672"/>
+            <a:ext cx="12700" cy="1740846"/>
+          </a:xfrm>
+          <a:prstGeom prst="bentConnector3">
+            <a:avLst>
+              <a:gd name="adj1" fmla="val 7690913"/>
+            </a:avLst>
+          </a:prstGeom>
+          <a:ln>
+            <a:tailEnd type="triangle"/>
+          </a:ln>
+        </p:spPr>
+        <p:style>
+          <a:lnRef idx="1">
+            <a:schemeClr val="accent1"/>
+          </a:lnRef>
+          <a:fillRef idx="0">
+            <a:schemeClr val="accent1"/>
+          </a:fillRef>
+          <a:effectRef idx="0">
+            <a:schemeClr val="accent1"/>
+          </a:effectRef>
+          <a:fontRef idx="minor">
+            <a:schemeClr val="tx1"/>
+          </a:fontRef>
+        </p:style>
+      </p:cxnSp>
+    </p:spTree>
+    <p:extLst>
+      <p:ext uri="{BB962C8B-B14F-4D97-AF65-F5344CB8AC3E}">
+        <p14:creationId xmlns:p14="http://schemas.microsoft.com/office/powerpoint/2010/main" val="700073934"/>
       </p:ext>
     </p:extLst>
   </p:cSld>
@@ -12994,11 +16463,6 @@
               </a:rPr>
               <a:t>Range</a:t>
             </a:r>
-            <a:endParaRPr lang="nl-NL" sz="1200" dirty="0" smtClean="0">
-              <a:solidFill>
-                <a:schemeClr val="tx1"/>
-              </a:solidFill>
-            </a:endParaRPr>
           </a:p>
         </p:txBody>
       </p:sp>
@@ -13097,11 +16561,7 @@
           <a:p>
             <a:r>
               <a:rPr lang="nl-NL" sz="900" dirty="0" smtClean="0"/>
-              <a:t>r</a:t>
-            </a:r>
-            <a:r>
-              <a:rPr lang="nl-NL" sz="900" dirty="0" smtClean="0"/>
-              <a:t>ange=</a:t>
+              <a:t>range=</a:t>
             </a:r>
             <a:r>
               <a:rPr lang="nl-NL" sz="900" dirty="0" err="1" smtClean="0"/>
@@ -14364,11 +17824,6 @@
               </a:rPr>
               <a:t>Urgentie-Perspectief</a:t>
             </a:r>
-            <a:endParaRPr lang="nl-NL" sz="1600" dirty="0" smtClean="0">
-              <a:solidFill>
-                <a:schemeClr val="tx1"/>
-              </a:solidFill>
-            </a:endParaRPr>
           </a:p>
         </p:txBody>
       </p:sp>
@@ -15367,11 +18822,6 @@
               </a:rPr>
               <a:t>inding</a:t>
             </a:r>
-            <a:endParaRPr lang="nl-NL" sz="1200" dirty="0" smtClean="0">
-              <a:solidFill>
-                <a:schemeClr val="tx1"/>
-              </a:solidFill>
-            </a:endParaRPr>
           </a:p>
         </p:txBody>
       </p:sp>
@@ -15574,11 +19024,6 @@
               </a:rPr>
               <a:t>S1</a:t>
             </a:r>
-            <a:endParaRPr lang="nl-NL" sz="1200" dirty="0" smtClean="0">
-              <a:solidFill>
-                <a:schemeClr val="tx1"/>
-              </a:solidFill>
-            </a:endParaRPr>
           </a:p>
         </p:txBody>
       </p:sp>
@@ -15781,11 +19226,6 @@
               </a:rPr>
               <a:t>S2</a:t>
             </a:r>
-            <a:endParaRPr lang="nl-NL" sz="1200" dirty="0" smtClean="0">
-              <a:solidFill>
-                <a:schemeClr val="tx1"/>
-              </a:solidFill>
-            </a:endParaRPr>
           </a:p>
         </p:txBody>
       </p:sp>
@@ -16649,11 +20089,6 @@
               </a:rPr>
               <a:t>C1</a:t>
             </a:r>
-            <a:endParaRPr lang="nl-NL" sz="1200" dirty="0" smtClean="0">
-              <a:solidFill>
-                <a:schemeClr val="tx1"/>
-              </a:solidFill>
-            </a:endParaRPr>
           </a:p>
         </p:txBody>
       </p:sp>
@@ -17054,11 +20489,6 @@
               </a:rPr>
               <a:t>F3</a:t>
             </a:r>
-            <a:endParaRPr lang="nl-NL" sz="1200" dirty="0" smtClean="0">
-              <a:solidFill>
-                <a:schemeClr val="tx1"/>
-              </a:solidFill>
-            </a:endParaRPr>
           </a:p>
         </p:txBody>
       </p:sp>
@@ -17899,11 +21329,6 @@
               </a:rPr>
               <a:t>-Type</a:t>
             </a:r>
-            <a:endParaRPr lang="nl-NL" sz="1200" dirty="0" smtClean="0">
-              <a:solidFill>
-                <a:schemeClr val="tx1"/>
-              </a:solidFill>
-            </a:endParaRPr>
           </a:p>
         </p:txBody>
       </p:sp>
@@ -19627,11 +23052,6 @@
               </a:rPr>
               <a:t>Berekening</a:t>
             </a:r>
-            <a:endParaRPr lang="nl-NL" sz="1200" dirty="0" smtClean="0">
-              <a:solidFill>
-                <a:schemeClr val="tx1"/>
-              </a:solidFill>
-            </a:endParaRPr>
           </a:p>
         </p:txBody>
       </p:sp>
@@ -19922,11 +23342,6 @@
               </a:rPr>
               <a:t>Argument</a:t>
             </a:r>
-            <a:endParaRPr lang="nl-NL" sz="1200" dirty="0" smtClean="0">
-              <a:solidFill>
-                <a:schemeClr val="tx1"/>
-              </a:solidFill>
-            </a:endParaRPr>
           </a:p>
         </p:txBody>
       </p:sp>
@@ -20099,11 +23514,6 @@
               </a:rPr>
               <a:t>Functie</a:t>
             </a:r>
-            <a:endParaRPr lang="nl-NL" sz="1200" dirty="0" smtClean="0">
-              <a:solidFill>
-                <a:schemeClr val="tx1"/>
-              </a:solidFill>
-            </a:endParaRPr>
           </a:p>
         </p:txBody>
       </p:sp>
@@ -20378,11 +23788,6 @@
               </a:rPr>
               <a:t>f</a:t>
             </a:r>
-            <a:endParaRPr lang="nl-NL" sz="1200" dirty="0" smtClean="0">
-              <a:solidFill>
-                <a:schemeClr val="tx1"/>
-              </a:solidFill>
-            </a:endParaRPr>
           </a:p>
         </p:txBody>
       </p:sp>
@@ -20790,11 +24195,6 @@
               </a:rPr>
               <a:t>h</a:t>
             </a:r>
-            <a:endParaRPr lang="nl-NL" sz="1200" dirty="0" smtClean="0">
-              <a:solidFill>
-                <a:schemeClr val="tx1"/>
-              </a:solidFill>
-            </a:endParaRPr>
           </a:p>
         </p:txBody>
       </p:sp>
@@ -20996,11 +24396,6 @@
               </a:rPr>
               <a:t>&gt;&gt;&gt;</a:t>
             </a:r>
-            <a:endParaRPr lang="nl-NL" sz="1200" dirty="0" smtClean="0">
-              <a:solidFill>
-                <a:schemeClr val="tx1"/>
-              </a:solidFill>
-            </a:endParaRPr>
           </a:p>
         </p:txBody>
       </p:sp>
@@ -21465,11 +24860,6 @@
               </a:rPr>
               <a:t>&gt;&gt;&gt;</a:t>
             </a:r>
-            <a:endParaRPr lang="nl-NL" sz="1200" dirty="0" smtClean="0">
-              <a:solidFill>
-                <a:schemeClr val="tx1"/>
-              </a:solidFill>
-            </a:endParaRPr>
           </a:p>
         </p:txBody>
       </p:sp>
@@ -21786,11 +25176,6 @@
               </a:rPr>
               <a:t>f</a:t>
             </a:r>
-            <a:endParaRPr lang="nl-NL" sz="1200" dirty="0" smtClean="0">
-              <a:solidFill>
-                <a:schemeClr val="tx1"/>
-              </a:solidFill>
-            </a:endParaRPr>
           </a:p>
         </p:txBody>
       </p:sp>
@@ -22198,11 +25583,6 @@
               </a:rPr>
               <a:t>h</a:t>
             </a:r>
-            <a:endParaRPr lang="nl-NL" sz="1200" dirty="0" smtClean="0">
-              <a:solidFill>
-                <a:schemeClr val="tx1"/>
-              </a:solidFill>
-            </a:endParaRPr>
           </a:p>
         </p:txBody>
       </p:sp>
@@ -22404,11 +25784,6 @@
               </a:rPr>
               <a:t>&gt;&gt;&gt;</a:t>
             </a:r>
-            <a:endParaRPr lang="nl-NL" sz="1200" dirty="0" smtClean="0">
-              <a:solidFill>
-                <a:schemeClr val="tx1"/>
-              </a:solidFill>
-            </a:endParaRPr>
           </a:p>
         </p:txBody>
       </p:sp>
@@ -22981,11 +26356,6 @@
               </a:rPr>
               <a:t>&gt;&gt;&gt;</a:t>
             </a:r>
-            <a:endParaRPr lang="nl-NL" sz="1200" dirty="0" smtClean="0">
-              <a:solidFill>
-                <a:schemeClr val="tx1"/>
-              </a:solidFill>
-            </a:endParaRPr>
           </a:p>
         </p:txBody>
       </p:sp>
@@ -23526,11 +26896,6 @@
               </a:rPr>
               <a:t>&gt;&gt;&gt;</a:t>
             </a:r>
-            <a:endParaRPr lang="nl-NL" sz="1200" dirty="0" smtClean="0">
-              <a:solidFill>
-                <a:schemeClr val="tx1"/>
-              </a:solidFill>
-            </a:endParaRPr>
           </a:p>
         </p:txBody>
       </p:sp>
@@ -23735,11 +27100,6 @@
               </a:rPr>
               <a:t>binding</a:t>
             </a:r>
-            <a:endParaRPr lang="nl-NL" sz="1200" dirty="0" smtClean="0">
-              <a:solidFill>
-                <a:schemeClr val="tx1"/>
-              </a:solidFill>
-            </a:endParaRPr>
           </a:p>
         </p:txBody>
       </p:sp>
@@ -23862,11 +27222,6 @@
               </a:rPr>
               <a:t>&gt;&gt;&gt;</a:t>
             </a:r>
-            <a:endParaRPr lang="nl-NL" sz="1200" dirty="0" smtClean="0">
-              <a:solidFill>
-                <a:schemeClr val="tx1"/>
-              </a:solidFill>
-            </a:endParaRPr>
           </a:p>
         </p:txBody>
       </p:sp>
@@ -24107,11 +27462,6 @@
               </a:rPr>
               <a:t>binding</a:t>
             </a:r>
-            <a:endParaRPr lang="nl-NL" sz="1200" dirty="0" smtClean="0">
-              <a:solidFill>
-                <a:schemeClr val="tx1"/>
-              </a:solidFill>
-            </a:endParaRPr>
           </a:p>
         </p:txBody>
       </p:sp>
@@ -24234,11 +27584,6 @@
               </a:rPr>
               <a:t>binding</a:t>
             </a:r>
-            <a:endParaRPr lang="nl-NL" sz="1200" dirty="0" smtClean="0">
-              <a:solidFill>
-                <a:schemeClr val="tx1"/>
-              </a:solidFill>
-            </a:endParaRPr>
           </a:p>
         </p:txBody>
       </p:sp>
